--- a/Presentation/Interim_SLambert_416349.pptx
+++ b/Presentation/Interim_SLambert_416349.pptx
@@ -5,10 +5,10 @@
     <p:sldMasterId id="2147483648" r:id="rId4"/>
   </p:sldMasterIdLst>
   <p:notesMasterIdLst>
-    <p:notesMasterId r:id="rId20"/>
+    <p:notesMasterId r:id="rId22"/>
   </p:notesMasterIdLst>
   <p:handoutMasterIdLst>
-    <p:handoutMasterId r:id="rId21"/>
+    <p:handoutMasterId r:id="rId23"/>
   </p:handoutMasterIdLst>
   <p:sldIdLst>
     <p:sldId id="256" r:id="rId5"/>
@@ -18,14 +18,16 @@
     <p:sldId id="422" r:id="rId9"/>
     <p:sldId id="421" r:id="rId10"/>
     <p:sldId id="424" r:id="rId11"/>
-    <p:sldId id="426" r:id="rId12"/>
-    <p:sldId id="416" r:id="rId13"/>
-    <p:sldId id="420" r:id="rId14"/>
-    <p:sldId id="425" r:id="rId15"/>
-    <p:sldId id="413" r:id="rId16"/>
-    <p:sldId id="412" r:id="rId17"/>
-    <p:sldId id="415" r:id="rId18"/>
-    <p:sldId id="270" r:id="rId19"/>
+    <p:sldId id="427" r:id="rId12"/>
+    <p:sldId id="426" r:id="rId13"/>
+    <p:sldId id="416" r:id="rId14"/>
+    <p:sldId id="420" r:id="rId15"/>
+    <p:sldId id="425" r:id="rId16"/>
+    <p:sldId id="413" r:id="rId17"/>
+    <p:sldId id="412" r:id="rId18"/>
+    <p:sldId id="429" r:id="rId19"/>
+    <p:sldId id="415" r:id="rId20"/>
+    <p:sldId id="270" r:id="rId21"/>
   </p:sldIdLst>
   <p:sldSz cx="9144000" cy="6858000" type="screen4x3"/>
   <p:notesSz cx="6864350" cy="9996488"/>
@@ -160,7 +162,7 @@
 <file path=ppt/revisionInfo.xml><?xml version="1.0" encoding="utf-8"?>
 <p1510:revInfo xmlns:a="http://schemas.openxmlformats.org/drawingml/2006/main" xmlns:r="http://schemas.openxmlformats.org/officeDocument/2006/relationships" xmlns:p1510="http://schemas.microsoft.com/office/powerpoint/2015/10/main">
   <p1510:revLst>
-    <p1510:client id="{9AB79CB0-AEBF-4D0C-9FF6-2E4F657387ED}" v="123" dt="2024-06-06T10:48:09.178"/>
+    <p1510:client id="{9AB79CB0-AEBF-4D0C-9FF6-2E4F657387ED}" v="240" dt="2024-06-10T09:58:22.841"/>
   </p1510:revLst>
 </p1510:revInfo>
 </file>
@@ -170,7 +172,7 @@
   <pc:docChgLst>
     <pc:chgData name="Sébastien Lambert" userId="80e69ea09684ee6d" providerId="LiveId" clId="{9AB79CB0-AEBF-4D0C-9FF6-2E4F657387ED}"/>
     <pc:docChg chg="undo redo custSel addSld delSld modSld sldOrd modMainMaster">
-      <pc:chgData name="Sébastien Lambert" userId="80e69ea09684ee6d" providerId="LiveId" clId="{9AB79CB0-AEBF-4D0C-9FF6-2E4F657387ED}" dt="2024-06-06T10:51:56.329" v="2969" actId="1076"/>
+      <pc:chgData name="Sébastien Lambert" userId="80e69ea09684ee6d" providerId="LiveId" clId="{9AB79CB0-AEBF-4D0C-9FF6-2E4F657387ED}" dt="2024-06-10T09:59:24.179" v="4381" actId="33524"/>
       <pc:docMkLst>
         <pc:docMk/>
       </pc:docMkLst>
@@ -221,8 +223,15 @@
           </ac:picMkLst>
         </pc:picChg>
       </pc:sldChg>
+      <pc:sldChg chg="modNotesTx">
+        <pc:chgData name="Sébastien Lambert" userId="80e69ea09684ee6d" providerId="LiveId" clId="{9AB79CB0-AEBF-4D0C-9FF6-2E4F657387ED}" dt="2024-06-09T23:03:54.196" v="4159"/>
+        <pc:sldMkLst>
+          <pc:docMk/>
+          <pc:sldMk cId="3441865150" sldId="270"/>
+        </pc:sldMkLst>
+      </pc:sldChg>
       <pc:sldChg chg="addSp delSp modSp mod ord">
-        <pc:chgData name="Sébastien Lambert" userId="80e69ea09684ee6d" providerId="LiveId" clId="{9AB79CB0-AEBF-4D0C-9FF6-2E4F657387ED}" dt="2024-06-06T10:51:56.329" v="2969" actId="1076"/>
+        <pc:chgData name="Sébastien Lambert" userId="80e69ea09684ee6d" providerId="LiveId" clId="{9AB79CB0-AEBF-4D0C-9FF6-2E4F657387ED}" dt="2024-06-09T22:44:33.777" v="3947" actId="21"/>
         <pc:sldMkLst>
           <pc:docMk/>
           <pc:sldMk cId="3305540782" sldId="412"/>
@@ -235,23 +244,47 @@
             <ac:picMk id="4" creationId="{B46B62F9-8769-7D6C-472A-E50EB285B944}"/>
           </ac:picMkLst>
         </pc:picChg>
-        <pc:picChg chg="add mod">
-          <ac:chgData name="Sébastien Lambert" userId="80e69ea09684ee6d" providerId="LiveId" clId="{9AB79CB0-AEBF-4D0C-9FF6-2E4F657387ED}" dt="2024-06-06T10:51:56.329" v="2969" actId="1076"/>
+        <pc:picChg chg="add mod modCrop">
+          <ac:chgData name="Sébastien Lambert" userId="80e69ea09684ee6d" providerId="LiveId" clId="{9AB79CB0-AEBF-4D0C-9FF6-2E4F657387ED}" dt="2024-06-09T22:44:26.857" v="3945" actId="1076"/>
+          <ac:picMkLst>
+            <pc:docMk/>
+            <pc:sldMk cId="3305540782" sldId="412"/>
+            <ac:picMk id="4" creationId="{BA91767E-9AC9-8ED5-DCE8-DFF458CEDE26}"/>
+          </ac:picMkLst>
+        </pc:picChg>
+        <pc:picChg chg="add del mod">
+          <ac:chgData name="Sébastien Lambert" userId="80e69ea09684ee6d" providerId="LiveId" clId="{9AB79CB0-AEBF-4D0C-9FF6-2E4F657387ED}" dt="2024-06-09T22:44:07.945" v="3940" actId="478"/>
+          <ac:picMkLst>
+            <pc:docMk/>
+            <pc:sldMk cId="3305540782" sldId="412"/>
+            <ac:picMk id="5" creationId="{E4535693-6EAF-CE34-FFBB-0E8B42A5A183}"/>
+          </ac:picMkLst>
+        </pc:picChg>
+        <pc:picChg chg="add del mod">
+          <ac:chgData name="Sébastien Lambert" userId="80e69ea09684ee6d" providerId="LiveId" clId="{9AB79CB0-AEBF-4D0C-9FF6-2E4F657387ED}" dt="2024-06-09T22:43:05.521" v="3926" actId="478"/>
           <ac:picMkLst>
             <pc:docMk/>
             <pc:sldMk cId="3305540782" sldId="412"/>
             <ac:picMk id="6" creationId="{6B1ECA84-1931-3EEA-9125-9BE766C6C263}"/>
           </ac:picMkLst>
         </pc:picChg>
+        <pc:picChg chg="add del mod">
+          <ac:chgData name="Sébastien Lambert" userId="80e69ea09684ee6d" providerId="LiveId" clId="{9AB79CB0-AEBF-4D0C-9FF6-2E4F657387ED}" dt="2024-06-09T22:44:33.777" v="3947" actId="21"/>
+          <ac:picMkLst>
+            <pc:docMk/>
+            <pc:sldMk cId="3305540782" sldId="412"/>
+            <ac:picMk id="7" creationId="{D3305A64-C8F7-60AE-7613-4517AE8785A6}"/>
+          </ac:picMkLst>
+        </pc:picChg>
       </pc:sldChg>
       <pc:sldChg chg="addSp delSp modSp mod">
-        <pc:chgData name="Sébastien Lambert" userId="80e69ea09684ee6d" providerId="LiveId" clId="{9AB79CB0-AEBF-4D0C-9FF6-2E4F657387ED}" dt="2024-06-06T10:48:45.510" v="2963" actId="1076"/>
+        <pc:chgData name="Sébastien Lambert" userId="80e69ea09684ee6d" providerId="LiveId" clId="{9AB79CB0-AEBF-4D0C-9FF6-2E4F657387ED}" dt="2024-06-09T22:36:16.309" v="3924" actId="20577"/>
         <pc:sldMkLst>
           <pc:docMk/>
           <pc:sldMk cId="1060754183" sldId="413"/>
         </pc:sldMkLst>
         <pc:graphicFrameChg chg="add mod modGraphic">
-          <ac:chgData name="Sébastien Lambert" userId="80e69ea09684ee6d" providerId="LiveId" clId="{9AB79CB0-AEBF-4D0C-9FF6-2E4F657387ED}" dt="2024-06-06T10:48:45.510" v="2963" actId="1076"/>
+          <ac:chgData name="Sébastien Lambert" userId="80e69ea09684ee6d" providerId="LiveId" clId="{9AB79CB0-AEBF-4D0C-9FF6-2E4F657387ED}" dt="2024-06-09T22:36:16.309" v="3924" actId="20577"/>
           <ac:graphicFrameMkLst>
             <pc:docMk/>
             <pc:sldMk cId="1060754183" sldId="413"/>
@@ -284,7 +317,7 @@
         </pc:picChg>
       </pc:sldChg>
       <pc:sldChg chg="addSp delSp modSp mod setBg">
-        <pc:chgData name="Sébastien Lambert" userId="80e69ea09684ee6d" providerId="LiveId" clId="{9AB79CB0-AEBF-4D0C-9FF6-2E4F657387ED}" dt="2024-06-06T09:05:19.458" v="1373" actId="1036"/>
+        <pc:chgData name="Sébastien Lambert" userId="80e69ea09684ee6d" providerId="LiveId" clId="{9AB79CB0-AEBF-4D0C-9FF6-2E4F657387ED}" dt="2024-06-09T22:20:18.773" v="3272" actId="1076"/>
         <pc:sldMkLst>
           <pc:docMk/>
           <pc:sldMk cId="983203387" sldId="414"/>
@@ -297,6 +330,14 @@
             <ac:spMk id="2" creationId="{00000000-0000-0000-0000-000000000000}"/>
           </ac:spMkLst>
         </pc:spChg>
+        <pc:spChg chg="add mod">
+          <ac:chgData name="Sébastien Lambert" userId="80e69ea09684ee6d" providerId="LiveId" clId="{9AB79CB0-AEBF-4D0C-9FF6-2E4F657387ED}" dt="2024-06-09T22:20:18.773" v="3272" actId="1076"/>
+          <ac:spMkLst>
+            <pc:docMk/>
+            <pc:sldMk cId="983203387" sldId="414"/>
+            <ac:spMk id="3" creationId="{43AA4D3A-F774-96AF-52F2-5483CED1762D}"/>
+          </ac:spMkLst>
+        </pc:spChg>
         <pc:spChg chg="add del">
           <ac:chgData name="Sébastien Lambert" userId="80e69ea09684ee6d" providerId="LiveId" clId="{9AB79CB0-AEBF-4D0C-9FF6-2E4F657387ED}" dt="2024-06-05T13:44:36.876" v="254" actId="22"/>
           <ac:spMkLst>
@@ -306,21 +347,77 @@
           </ac:spMkLst>
         </pc:spChg>
         <pc:spChg chg="add mod">
-          <ac:chgData name="Sébastien Lambert" userId="80e69ea09684ee6d" providerId="LiveId" clId="{9AB79CB0-AEBF-4D0C-9FF6-2E4F657387ED}" dt="2024-06-06T09:05:19.458" v="1373" actId="1036"/>
+          <ac:chgData name="Sébastien Lambert" userId="80e69ea09684ee6d" providerId="LiveId" clId="{9AB79CB0-AEBF-4D0C-9FF6-2E4F657387ED}" dt="2024-06-09T22:11:54.675" v="3121" actId="207"/>
           <ac:spMkLst>
             <pc:docMk/>
             <pc:sldMk cId="983203387" sldId="414"/>
             <ac:spMk id="5" creationId="{C5F7934B-EC77-7327-86FF-1C14FD8705E7}"/>
           </ac:spMkLst>
         </pc:spChg>
-        <pc:spChg chg="add mod">
-          <ac:chgData name="Sébastien Lambert" userId="80e69ea09684ee6d" providerId="LiveId" clId="{9AB79CB0-AEBF-4D0C-9FF6-2E4F657387ED}" dt="2024-06-06T09:02:21.920" v="1330" actId="207"/>
+        <pc:spChg chg="add del mod">
+          <ac:chgData name="Sébastien Lambert" userId="80e69ea09684ee6d" providerId="LiveId" clId="{9AB79CB0-AEBF-4D0C-9FF6-2E4F657387ED}" dt="2024-06-09T22:11:59.777" v="3122" actId="478"/>
           <ac:spMkLst>
             <pc:docMk/>
             <pc:sldMk cId="983203387" sldId="414"/>
             <ac:spMk id="6" creationId="{ABD14B5E-96F1-050C-DED8-B7FC1F30C861}"/>
           </ac:spMkLst>
         </pc:spChg>
+        <pc:spChg chg="add del mod">
+          <ac:chgData name="Sébastien Lambert" userId="80e69ea09684ee6d" providerId="LiveId" clId="{9AB79CB0-AEBF-4D0C-9FF6-2E4F657387ED}" dt="2024-06-09T22:17:02.351" v="3178" actId="478"/>
+          <ac:spMkLst>
+            <pc:docMk/>
+            <pc:sldMk cId="983203387" sldId="414"/>
+            <ac:spMk id="7" creationId="{10864EF6-3E98-C5F3-21A7-C1E719ED9F45}"/>
+          </ac:spMkLst>
+        </pc:spChg>
+        <pc:spChg chg="add del mod">
+          <ac:chgData name="Sébastien Lambert" userId="80e69ea09684ee6d" providerId="LiveId" clId="{9AB79CB0-AEBF-4D0C-9FF6-2E4F657387ED}" dt="2024-06-09T22:18:22.642" v="3194" actId="478"/>
+          <ac:spMkLst>
+            <pc:docMk/>
+            <pc:sldMk cId="983203387" sldId="414"/>
+            <ac:spMk id="9" creationId="{994FB58C-6BDC-124C-AD1D-DF1A4FE89A43}"/>
+          </ac:spMkLst>
+        </pc:spChg>
+        <pc:spChg chg="add mod">
+          <ac:chgData name="Sébastien Lambert" userId="80e69ea09684ee6d" providerId="LiveId" clId="{9AB79CB0-AEBF-4D0C-9FF6-2E4F657387ED}" dt="2024-06-09T22:20:07.108" v="3269" actId="1076"/>
+          <ac:spMkLst>
+            <pc:docMk/>
+            <pc:sldMk cId="983203387" sldId="414"/>
+            <ac:spMk id="10" creationId="{81623FC4-DF34-0F34-ADA8-98B060CC1251}"/>
+          </ac:spMkLst>
+        </pc:spChg>
+        <pc:spChg chg="add mod">
+          <ac:chgData name="Sébastien Lambert" userId="80e69ea09684ee6d" providerId="LiveId" clId="{9AB79CB0-AEBF-4D0C-9FF6-2E4F657387ED}" dt="2024-06-09T22:20:16.246" v="3271" actId="1076"/>
+          <ac:spMkLst>
+            <pc:docMk/>
+            <pc:sldMk cId="983203387" sldId="414"/>
+            <ac:spMk id="12" creationId="{DE883661-09BD-1929-E42C-762594B2899E}"/>
+          </ac:spMkLst>
+        </pc:spChg>
+        <pc:grpChg chg="add mod">
+          <ac:chgData name="Sébastien Lambert" userId="80e69ea09684ee6d" providerId="LiveId" clId="{9AB79CB0-AEBF-4D0C-9FF6-2E4F657387ED}" dt="2024-06-09T22:20:18.773" v="3272" actId="1076"/>
+          <ac:grpSpMkLst>
+            <pc:docMk/>
+            <pc:sldMk cId="983203387" sldId="414"/>
+            <ac:grpSpMk id="4" creationId="{61BA360E-ED80-2C0F-DB5E-585D4F1DBBCC}"/>
+          </ac:grpSpMkLst>
+        </pc:grpChg>
+        <pc:grpChg chg="add mod">
+          <ac:chgData name="Sébastien Lambert" userId="80e69ea09684ee6d" providerId="LiveId" clId="{9AB79CB0-AEBF-4D0C-9FF6-2E4F657387ED}" dt="2024-06-09T22:20:07.108" v="3269" actId="1076"/>
+          <ac:grpSpMkLst>
+            <pc:docMk/>
+            <pc:sldMk cId="983203387" sldId="414"/>
+            <ac:grpSpMk id="11" creationId="{177DE5DF-7246-7019-0E9E-5EC0A072AFCB}"/>
+          </ac:grpSpMkLst>
+        </pc:grpChg>
+        <pc:grpChg chg="add mod">
+          <ac:chgData name="Sébastien Lambert" userId="80e69ea09684ee6d" providerId="LiveId" clId="{9AB79CB0-AEBF-4D0C-9FF6-2E4F657387ED}" dt="2024-06-09T22:20:16.246" v="3271" actId="1076"/>
+          <ac:grpSpMkLst>
+            <pc:docMk/>
+            <pc:sldMk cId="983203387" sldId="414"/>
+            <ac:grpSpMk id="13" creationId="{E742774C-4834-1FB7-8A35-C8F992B88EA2}"/>
+          </ac:grpSpMkLst>
+        </pc:grpChg>
         <pc:picChg chg="add del mod">
           <ac:chgData name="Sébastien Lambert" userId="80e69ea09684ee6d" providerId="LiveId" clId="{9AB79CB0-AEBF-4D0C-9FF6-2E4F657387ED}" dt="2024-06-06T09:01:38.049" v="1321" actId="478"/>
           <ac:picMkLst>
@@ -330,7 +427,39 @@
           </ac:picMkLst>
         </pc:picChg>
         <pc:picChg chg="add mod">
-          <ac:chgData name="Sébastien Lambert" userId="80e69ea09684ee6d" providerId="LiveId" clId="{9AB79CB0-AEBF-4D0C-9FF6-2E4F657387ED}" dt="2024-06-06T09:02:21.920" v="1330" actId="207"/>
+          <ac:chgData name="Sébastien Lambert" userId="80e69ea09684ee6d" providerId="LiveId" clId="{9AB79CB0-AEBF-4D0C-9FF6-2E4F657387ED}" dt="2024-06-09T22:20:18.773" v="3272" actId="1076"/>
+          <ac:picMkLst>
+            <pc:docMk/>
+            <pc:sldMk cId="983203387" sldId="414"/>
+            <ac:picMk id="1026" creationId="{BCAC3575-69CB-6BDC-0430-E955A26C006C}"/>
+          </ac:picMkLst>
+        </pc:picChg>
+        <pc:picChg chg="add del mod">
+          <ac:chgData name="Sébastien Lambert" userId="80e69ea09684ee6d" providerId="LiveId" clId="{9AB79CB0-AEBF-4D0C-9FF6-2E4F657387ED}" dt="2024-06-09T22:14:38.205" v="3139" actId="478"/>
+          <ac:picMkLst>
+            <pc:docMk/>
+            <pc:sldMk cId="983203387" sldId="414"/>
+            <ac:picMk id="1028" creationId="{6782E2F5-BD84-4480-37D2-1D8D486C1DC7}"/>
+          </ac:picMkLst>
+        </pc:picChg>
+        <pc:picChg chg="add mod">
+          <ac:chgData name="Sébastien Lambert" userId="80e69ea09684ee6d" providerId="LiveId" clId="{9AB79CB0-AEBF-4D0C-9FF6-2E4F657387ED}" dt="2024-06-09T22:20:07.108" v="3269" actId="1076"/>
+          <ac:picMkLst>
+            <pc:docMk/>
+            <pc:sldMk cId="983203387" sldId="414"/>
+            <ac:picMk id="1030" creationId="{D05B7491-0D01-C4A3-34B1-2F04B6FB50A3}"/>
+          </ac:picMkLst>
+        </pc:picChg>
+        <pc:picChg chg="add mod">
+          <ac:chgData name="Sébastien Lambert" userId="80e69ea09684ee6d" providerId="LiveId" clId="{9AB79CB0-AEBF-4D0C-9FF6-2E4F657387ED}" dt="2024-06-09T22:20:16.246" v="3271" actId="1076"/>
+          <ac:picMkLst>
+            <pc:docMk/>
+            <pc:sldMk cId="983203387" sldId="414"/>
+            <ac:picMk id="1032" creationId="{30E356C6-264A-BFAC-18FE-7CB9EE81F89A}"/>
+          </ac:picMkLst>
+        </pc:picChg>
+        <pc:picChg chg="add del mod">
+          <ac:chgData name="Sébastien Lambert" userId="80e69ea09684ee6d" providerId="LiveId" clId="{9AB79CB0-AEBF-4D0C-9FF6-2E4F657387ED}" dt="2024-06-09T22:12:12.038" v="3130" actId="21"/>
           <ac:picMkLst>
             <pc:docMk/>
             <pc:sldMk cId="983203387" sldId="414"/>
@@ -338,8 +467,8 @@
           </ac:picMkLst>
         </pc:picChg>
       </pc:sldChg>
-      <pc:sldChg chg="modSp mod ord">
-        <pc:chgData name="Sébastien Lambert" userId="80e69ea09684ee6d" providerId="LiveId" clId="{9AB79CB0-AEBF-4D0C-9FF6-2E4F657387ED}" dt="2024-06-06T10:17:15.345" v="2006"/>
+      <pc:sldChg chg="addSp delSp modSp mod ord">
+        <pc:chgData name="Sébastien Lambert" userId="80e69ea09684ee6d" providerId="LiveId" clId="{9AB79CB0-AEBF-4D0C-9FF6-2E4F657387ED}" dt="2024-06-10T09:59:24.179" v="4381" actId="33524"/>
         <pc:sldMkLst>
           <pc:docMk/>
           <pc:sldMk cId="983203387" sldId="415"/>
@@ -352,9 +481,33 @@
             <ac:spMk id="2" creationId="{00000000-0000-0000-0000-000000000000}"/>
           </ac:spMkLst>
         </pc:spChg>
+        <pc:spChg chg="add del mod">
+          <ac:chgData name="Sébastien Lambert" userId="80e69ea09684ee6d" providerId="LiveId" clId="{9AB79CB0-AEBF-4D0C-9FF6-2E4F657387ED}" dt="2024-06-10T09:59:24.179" v="4381" actId="33524"/>
+          <ac:spMkLst>
+            <pc:docMk/>
+            <pc:sldMk cId="983203387" sldId="415"/>
+            <ac:spMk id="3" creationId="{159A141F-0FEC-4926-17FD-EBFBF01BA6B6}"/>
+          </ac:spMkLst>
+        </pc:spChg>
+        <pc:picChg chg="add mod">
+          <ac:chgData name="Sébastien Lambert" userId="80e69ea09684ee6d" providerId="LiveId" clId="{9AB79CB0-AEBF-4D0C-9FF6-2E4F657387ED}" dt="2024-06-09T23:03:53.584" v="4158" actId="14100"/>
+          <ac:picMkLst>
+            <pc:docMk/>
+            <pc:sldMk cId="983203387" sldId="415"/>
+            <ac:picMk id="3074" creationId="{A1BBBAC1-33FC-E177-E7ED-81C1965ABC92}"/>
+          </ac:picMkLst>
+        </pc:picChg>
+        <pc:picChg chg="add mod">
+          <ac:chgData name="Sébastien Lambert" userId="80e69ea09684ee6d" providerId="LiveId" clId="{9AB79CB0-AEBF-4D0C-9FF6-2E4F657387ED}" dt="2024-06-09T23:04:43.336" v="4178" actId="1076"/>
+          <ac:picMkLst>
+            <pc:docMk/>
+            <pc:sldMk cId="983203387" sldId="415"/>
+            <ac:picMk id="3076" creationId="{3BD9C1F4-9017-D9BA-5238-788F61013A1E}"/>
+          </ac:picMkLst>
+        </pc:picChg>
       </pc:sldChg>
       <pc:sldChg chg="addSp delSp modSp mod">
-        <pc:chgData name="Sébastien Lambert" userId="80e69ea09684ee6d" providerId="LiveId" clId="{9AB79CB0-AEBF-4D0C-9FF6-2E4F657387ED}" dt="2024-06-06T10:39:15.690" v="2499" actId="208"/>
+        <pc:chgData name="Sébastien Lambert" userId="80e69ea09684ee6d" providerId="LiveId" clId="{9AB79CB0-AEBF-4D0C-9FF6-2E4F657387ED}" dt="2024-06-10T09:58:50.179" v="4347" actId="1076"/>
         <pc:sldMkLst>
           <pc:docMk/>
           <pc:sldMk cId="4224504974" sldId="416"/>
@@ -368,7 +521,7 @@
           </ac:spMkLst>
         </pc:spChg>
         <pc:spChg chg="add mod">
-          <ac:chgData name="Sébastien Lambert" userId="80e69ea09684ee6d" providerId="LiveId" clId="{9AB79CB0-AEBF-4D0C-9FF6-2E4F657387ED}" dt="2024-06-06T10:39:15.690" v="2499" actId="208"/>
+          <ac:chgData name="Sébastien Lambert" userId="80e69ea09684ee6d" providerId="LiveId" clId="{9AB79CB0-AEBF-4D0C-9FF6-2E4F657387ED}" dt="2024-06-10T09:58:22.841" v="4327" actId="164"/>
           <ac:spMkLst>
             <pc:docMk/>
             <pc:sldMk cId="4224504974" sldId="416"/>
@@ -376,7 +529,7 @@
           </ac:spMkLst>
         </pc:spChg>
         <pc:spChg chg="add mod">
-          <ac:chgData name="Sébastien Lambert" userId="80e69ea09684ee6d" providerId="LiveId" clId="{9AB79CB0-AEBF-4D0C-9FF6-2E4F657387ED}" dt="2024-06-06T10:39:15.690" v="2499" actId="208"/>
+          <ac:chgData name="Sébastien Lambert" userId="80e69ea09684ee6d" providerId="LiveId" clId="{9AB79CB0-AEBF-4D0C-9FF6-2E4F657387ED}" dt="2024-06-10T09:58:22.841" v="4327" actId="164"/>
           <ac:spMkLst>
             <pc:docMk/>
             <pc:sldMk cId="4224504974" sldId="416"/>
@@ -384,7 +537,7 @@
           </ac:spMkLst>
         </pc:spChg>
         <pc:spChg chg="add mod">
-          <ac:chgData name="Sébastien Lambert" userId="80e69ea09684ee6d" providerId="LiveId" clId="{9AB79CB0-AEBF-4D0C-9FF6-2E4F657387ED}" dt="2024-06-06T10:39:15.690" v="2499" actId="208"/>
+          <ac:chgData name="Sébastien Lambert" userId="80e69ea09684ee6d" providerId="LiveId" clId="{9AB79CB0-AEBF-4D0C-9FF6-2E4F657387ED}" dt="2024-06-10T09:58:22.841" v="4327" actId="164"/>
           <ac:spMkLst>
             <pc:docMk/>
             <pc:sldMk cId="4224504974" sldId="416"/>
@@ -392,7 +545,15 @@
           </ac:spMkLst>
         </pc:spChg>
         <pc:spChg chg="add mod">
-          <ac:chgData name="Sébastien Lambert" userId="80e69ea09684ee6d" providerId="LiveId" clId="{9AB79CB0-AEBF-4D0C-9FF6-2E4F657387ED}" dt="2024-06-06T10:39:15.690" v="2499" actId="208"/>
+          <ac:chgData name="Sébastien Lambert" userId="80e69ea09684ee6d" providerId="LiveId" clId="{9AB79CB0-AEBF-4D0C-9FF6-2E4F657387ED}" dt="2024-06-10T09:58:22.841" v="4327" actId="164"/>
+          <ac:spMkLst>
+            <pc:docMk/>
+            <pc:sldMk cId="4224504974" sldId="416"/>
+            <ac:spMk id="6" creationId="{3CA5ECCF-82F7-7128-2A73-C95DCA734F3E}"/>
+          </ac:spMkLst>
+        </pc:spChg>
+        <pc:spChg chg="add mod">
+          <ac:chgData name="Sébastien Lambert" userId="80e69ea09684ee6d" providerId="LiveId" clId="{9AB79CB0-AEBF-4D0C-9FF6-2E4F657387ED}" dt="2024-06-10T09:58:22.841" v="4327" actId="164"/>
           <ac:spMkLst>
             <pc:docMk/>
             <pc:sldMk cId="4224504974" sldId="416"/>
@@ -400,7 +561,7 @@
           </ac:spMkLst>
         </pc:spChg>
         <pc:spChg chg="add mod">
-          <ac:chgData name="Sébastien Lambert" userId="80e69ea09684ee6d" providerId="LiveId" clId="{9AB79CB0-AEBF-4D0C-9FF6-2E4F657387ED}" dt="2024-06-06T10:35:47.160" v="2418" actId="114"/>
+          <ac:chgData name="Sébastien Lambert" userId="80e69ea09684ee6d" providerId="LiveId" clId="{9AB79CB0-AEBF-4D0C-9FF6-2E4F657387ED}" dt="2024-06-10T09:58:22.841" v="4327" actId="164"/>
           <ac:spMkLst>
             <pc:docMk/>
             <pc:sldMk cId="4224504974" sldId="416"/>
@@ -408,7 +569,7 @@
           </ac:spMkLst>
         </pc:spChg>
         <pc:spChg chg="add mod">
-          <ac:chgData name="Sébastien Lambert" userId="80e69ea09684ee6d" providerId="LiveId" clId="{9AB79CB0-AEBF-4D0C-9FF6-2E4F657387ED}" dt="2024-06-06T10:36:53.398" v="2462" actId="1076"/>
+          <ac:chgData name="Sébastien Lambert" userId="80e69ea09684ee6d" providerId="LiveId" clId="{9AB79CB0-AEBF-4D0C-9FF6-2E4F657387ED}" dt="2024-06-10T09:58:22.841" v="4327" actId="164"/>
           <ac:spMkLst>
             <pc:docMk/>
             <pc:sldMk cId="4224504974" sldId="416"/>
@@ -416,13 +577,21 @@
           </ac:spMkLst>
         </pc:spChg>
         <pc:spChg chg="add mod">
-          <ac:chgData name="Sébastien Lambert" userId="80e69ea09684ee6d" providerId="LiveId" clId="{9AB79CB0-AEBF-4D0C-9FF6-2E4F657387ED}" dt="2024-06-06T10:37:40.102" v="2495" actId="1076"/>
+          <ac:chgData name="Sébastien Lambert" userId="80e69ea09684ee6d" providerId="LiveId" clId="{9AB79CB0-AEBF-4D0C-9FF6-2E4F657387ED}" dt="2024-06-10T09:58:22.841" v="4327" actId="164"/>
           <ac:spMkLst>
             <pc:docMk/>
             <pc:sldMk cId="4224504974" sldId="416"/>
             <ac:spMk id="23" creationId="{3232C4FE-169D-135C-F209-4283CCADD927}"/>
           </ac:spMkLst>
         </pc:spChg>
+        <pc:grpChg chg="add mod">
+          <ac:chgData name="Sébastien Lambert" userId="80e69ea09684ee6d" providerId="LiveId" clId="{9AB79CB0-AEBF-4D0C-9FF6-2E4F657387ED}" dt="2024-06-10T09:58:50.179" v="4347" actId="1076"/>
+          <ac:grpSpMkLst>
+            <pc:docMk/>
+            <pc:sldMk cId="4224504974" sldId="416"/>
+            <ac:grpSpMk id="8" creationId="{64B16BDD-8828-A79D-32BF-47C392C00F1C}"/>
+          </ac:grpSpMkLst>
+        </pc:grpChg>
         <pc:picChg chg="add del mod">
           <ac:chgData name="Sébastien Lambert" userId="80e69ea09684ee6d" providerId="LiveId" clId="{9AB79CB0-AEBF-4D0C-9FF6-2E4F657387ED}" dt="2024-06-06T10:25:37.747" v="2091" actId="21"/>
           <ac:picMkLst>
@@ -432,7 +601,7 @@
           </ac:picMkLst>
         </pc:picChg>
         <pc:cxnChg chg="add mod">
-          <ac:chgData name="Sébastien Lambert" userId="80e69ea09684ee6d" providerId="LiveId" clId="{9AB79CB0-AEBF-4D0C-9FF6-2E4F657387ED}" dt="2024-06-06T10:33:16.747" v="2365" actId="13822"/>
+          <ac:chgData name="Sébastien Lambert" userId="80e69ea09684ee6d" providerId="LiveId" clId="{9AB79CB0-AEBF-4D0C-9FF6-2E4F657387ED}" dt="2024-06-10T09:58:22.841" v="4327" actId="164"/>
           <ac:cxnSpMkLst>
             <pc:docMk/>
             <pc:sldMk cId="4224504974" sldId="416"/>
@@ -448,7 +617,15 @@
           </ac:cxnSpMkLst>
         </pc:cxnChg>
         <pc:cxnChg chg="add mod">
-          <ac:chgData name="Sébastien Lambert" userId="80e69ea09684ee6d" providerId="LiveId" clId="{9AB79CB0-AEBF-4D0C-9FF6-2E4F657387ED}" dt="2024-06-06T10:35:55.345" v="2420" actId="13822"/>
+          <ac:chgData name="Sébastien Lambert" userId="80e69ea09684ee6d" providerId="LiveId" clId="{9AB79CB0-AEBF-4D0C-9FF6-2E4F657387ED}" dt="2024-06-10T09:58:22.841" v="4327" actId="164"/>
+          <ac:cxnSpMkLst>
+            <pc:docMk/>
+            <pc:sldMk cId="4224504974" sldId="416"/>
+            <ac:cxnSpMk id="9" creationId="{3E65FFE2-B986-FFC2-BDD4-9F00A82B71E8}"/>
+          </ac:cxnSpMkLst>
+        </pc:cxnChg>
+        <pc:cxnChg chg="add mod">
+          <ac:chgData name="Sébastien Lambert" userId="80e69ea09684ee6d" providerId="LiveId" clId="{9AB79CB0-AEBF-4D0C-9FF6-2E4F657387ED}" dt="2024-06-10T09:58:22.841" v="4327" actId="164"/>
           <ac:cxnSpMkLst>
             <pc:docMk/>
             <pc:sldMk cId="4224504974" sldId="416"/>
@@ -456,7 +633,7 @@
           </ac:cxnSpMkLst>
         </pc:cxnChg>
         <pc:cxnChg chg="add mod">
-          <ac:chgData name="Sébastien Lambert" userId="80e69ea09684ee6d" providerId="LiveId" clId="{9AB79CB0-AEBF-4D0C-9FF6-2E4F657387ED}" dt="2024-06-06T10:36:02.440" v="2423" actId="14100"/>
+          <ac:chgData name="Sébastien Lambert" userId="80e69ea09684ee6d" providerId="LiveId" clId="{9AB79CB0-AEBF-4D0C-9FF6-2E4F657387ED}" dt="2024-06-10T09:58:22.841" v="4327" actId="164"/>
           <ac:cxnSpMkLst>
             <pc:docMk/>
             <pc:sldMk cId="4224504974" sldId="416"/>
@@ -464,7 +641,7 @@
           </ac:cxnSpMkLst>
         </pc:cxnChg>
         <pc:cxnChg chg="add mod">
-          <ac:chgData name="Sébastien Lambert" userId="80e69ea09684ee6d" providerId="LiveId" clId="{9AB79CB0-AEBF-4D0C-9FF6-2E4F657387ED}" dt="2024-06-06T10:36:10.682" v="2426" actId="14100"/>
+          <ac:chgData name="Sébastien Lambert" userId="80e69ea09684ee6d" providerId="LiveId" clId="{9AB79CB0-AEBF-4D0C-9FF6-2E4F657387ED}" dt="2024-06-10T09:58:22.841" v="4327" actId="164"/>
           <ac:cxnSpMkLst>
             <pc:docMk/>
             <pc:sldMk cId="4224504974" sldId="416"/>
@@ -503,7 +680,7 @@
         </pc:sldMkLst>
       </pc:sldChg>
       <pc:sldChg chg="addSp delSp modSp add mod ord">
-        <pc:chgData name="Sébastien Lambert" userId="80e69ea09684ee6d" providerId="LiveId" clId="{9AB79CB0-AEBF-4D0C-9FF6-2E4F657387ED}" dt="2024-06-06T09:02:33.099" v="1332" actId="1076"/>
+        <pc:chgData name="Sébastien Lambert" userId="80e69ea09684ee6d" providerId="LiveId" clId="{9AB79CB0-AEBF-4D0C-9FF6-2E4F657387ED}" dt="2024-06-09T22:27:01.102" v="3564" actId="1076"/>
         <pc:sldMkLst>
           <pc:docMk/>
           <pc:sldMk cId="3485772302" sldId="418"/>
@@ -525,7 +702,7 @@
           </ac:spMkLst>
         </pc:spChg>
         <pc:spChg chg="add mod">
-          <ac:chgData name="Sébastien Lambert" userId="80e69ea09684ee6d" providerId="LiveId" clId="{9AB79CB0-AEBF-4D0C-9FF6-2E4F657387ED}" dt="2024-06-05T14:03:32.293" v="445" actId="20577"/>
+          <ac:chgData name="Sébastien Lambert" userId="80e69ea09684ee6d" providerId="LiveId" clId="{9AB79CB0-AEBF-4D0C-9FF6-2E4F657387ED}" dt="2024-06-09T22:26:42.383" v="3560" actId="1076"/>
           <ac:spMkLst>
             <pc:docMk/>
             <pc:sldMk cId="3485772302" sldId="418"/>
@@ -533,13 +710,77 @@
           </ac:spMkLst>
         </pc:spChg>
         <pc:spChg chg="add mod">
-          <ac:chgData name="Sébastien Lambert" userId="80e69ea09684ee6d" providerId="LiveId" clId="{9AB79CB0-AEBF-4D0C-9FF6-2E4F657387ED}" dt="2024-06-06T09:02:33.099" v="1332" actId="1076"/>
+          <ac:chgData name="Sébastien Lambert" userId="80e69ea09684ee6d" providerId="LiveId" clId="{9AB79CB0-AEBF-4D0C-9FF6-2E4F657387ED}" dt="2024-06-09T22:26:51.602" v="3562" actId="14100"/>
           <ac:spMkLst>
             <pc:docMk/>
             <pc:sldMk cId="3485772302" sldId="418"/>
             <ac:spMk id="5" creationId="{8F98B132-772A-BBE3-4F15-9AE9AE1B2224}"/>
           </ac:spMkLst>
         </pc:spChg>
+        <pc:spChg chg="add mod ord">
+          <ac:chgData name="Sébastien Lambert" userId="80e69ea09684ee6d" providerId="LiveId" clId="{9AB79CB0-AEBF-4D0C-9FF6-2E4F657387ED}" dt="2024-06-09T22:26:35.321" v="3559" actId="1076"/>
+          <ac:spMkLst>
+            <pc:docMk/>
+            <pc:sldMk cId="3485772302" sldId="418"/>
+            <ac:spMk id="13" creationId="{8F176699-FD01-E068-9814-A26F7C68E9D2}"/>
+          </ac:spMkLst>
+        </pc:spChg>
+        <pc:spChg chg="add del">
+          <ac:chgData name="Sébastien Lambert" userId="80e69ea09684ee6d" providerId="LiveId" clId="{9AB79CB0-AEBF-4D0C-9FF6-2E4F657387ED}" dt="2024-06-09T22:25:57.623" v="3547" actId="478"/>
+          <ac:spMkLst>
+            <pc:docMk/>
+            <pc:sldMk cId="3485772302" sldId="418"/>
+            <ac:spMk id="14" creationId="{3B962BDF-0CEC-479D-1376-E31549EDE70D}"/>
+          </ac:spMkLst>
+        </pc:spChg>
+        <pc:spChg chg="add mod ord">
+          <ac:chgData name="Sébastien Lambert" userId="80e69ea09684ee6d" providerId="LiveId" clId="{9AB79CB0-AEBF-4D0C-9FF6-2E4F657387ED}" dt="2024-06-09T22:26:13.921" v="3554" actId="1076"/>
+          <ac:spMkLst>
+            <pc:docMk/>
+            <pc:sldMk cId="3485772302" sldId="418"/>
+            <ac:spMk id="15" creationId="{639C2E77-DF9F-7D06-9450-CF505FDA70FD}"/>
+          </ac:spMkLst>
+        </pc:spChg>
+        <pc:graphicFrameChg chg="add del mod modGraphic">
+          <ac:chgData name="Sébastien Lambert" userId="80e69ea09684ee6d" providerId="LiveId" clId="{9AB79CB0-AEBF-4D0C-9FF6-2E4F657387ED}" dt="2024-06-09T22:22:09.830" v="3290" actId="1032"/>
+          <ac:graphicFrameMkLst>
+            <pc:docMk/>
+            <pc:sldMk cId="3485772302" sldId="418"/>
+            <ac:graphicFrameMk id="11" creationId="{36553B2C-976B-C46A-55E1-0C8C901FCC88}"/>
+          </ac:graphicFrameMkLst>
+        </pc:graphicFrameChg>
+        <pc:graphicFrameChg chg="add del mod modGraphic">
+          <ac:chgData name="Sébastien Lambert" userId="80e69ea09684ee6d" providerId="LiveId" clId="{9AB79CB0-AEBF-4D0C-9FF6-2E4F657387ED}" dt="2024-06-09T22:22:25.609" v="3293" actId="478"/>
+          <ac:graphicFrameMkLst>
+            <pc:docMk/>
+            <pc:sldMk cId="3485772302" sldId="418"/>
+            <ac:graphicFrameMk id="12" creationId="{B0EB99F7-FDCD-F581-3535-E1C080478154}"/>
+          </ac:graphicFrameMkLst>
+        </pc:graphicFrameChg>
+        <pc:picChg chg="add del mod">
+          <ac:chgData name="Sébastien Lambert" userId="80e69ea09684ee6d" providerId="LiveId" clId="{9AB79CB0-AEBF-4D0C-9FF6-2E4F657387ED}" dt="2024-06-09T22:26:58.605" v="3563" actId="1076"/>
+          <ac:picMkLst>
+            <pc:docMk/>
+            <pc:sldMk cId="3485772302" sldId="418"/>
+            <ac:picMk id="6" creationId="{650D0CE0-84E3-E258-F8D1-E4A904D8D9D5}"/>
+          </ac:picMkLst>
+        </pc:picChg>
+        <pc:picChg chg="add del mod">
+          <ac:chgData name="Sébastien Lambert" userId="80e69ea09684ee6d" providerId="LiveId" clId="{9AB79CB0-AEBF-4D0C-9FF6-2E4F657387ED}" dt="2024-06-09T22:21:18.860" v="3280" actId="478"/>
+          <ac:picMkLst>
+            <pc:docMk/>
+            <pc:sldMk cId="3485772302" sldId="418"/>
+            <ac:picMk id="8" creationId="{27789D3B-AD77-B685-1A4A-4AC2A83058FA}"/>
+          </ac:picMkLst>
+        </pc:picChg>
+        <pc:picChg chg="add mod">
+          <ac:chgData name="Sébastien Lambert" userId="80e69ea09684ee6d" providerId="LiveId" clId="{9AB79CB0-AEBF-4D0C-9FF6-2E4F657387ED}" dt="2024-06-09T22:27:01.102" v="3564" actId="1076"/>
+          <ac:picMkLst>
+            <pc:docMk/>
+            <pc:sldMk cId="3485772302" sldId="418"/>
+            <ac:picMk id="10" creationId="{023C2FE4-C7FC-168C-5F43-192642D4D6BC}"/>
+          </ac:picMkLst>
+        </pc:picChg>
       </pc:sldChg>
       <pc:sldChg chg="addSp delSp modSp add mod ord">
         <pc:chgData name="Sébastien Lambert" userId="80e69ea09684ee6d" providerId="LiveId" clId="{9AB79CB0-AEBF-4D0C-9FF6-2E4F657387ED}" dt="2024-06-06T09:08:58.918" v="1512" actId="13822"/>
@@ -674,8 +915,8 @@
           </ac:spMkLst>
         </pc:spChg>
       </pc:sldChg>
-      <pc:sldChg chg="addSp modSp add mod">
-        <pc:chgData name="Sébastien Lambert" userId="80e69ea09684ee6d" providerId="LiveId" clId="{9AB79CB0-AEBF-4D0C-9FF6-2E4F657387ED}" dt="2024-06-06T10:43:15.400" v="2647" actId="1036"/>
+      <pc:sldChg chg="addSp delSp modSp add mod">
+        <pc:chgData name="Sébastien Lambert" userId="80e69ea09684ee6d" providerId="LiveId" clId="{9AB79CB0-AEBF-4D0C-9FF6-2E4F657387ED}" dt="2024-06-07T16:56:21.062" v="3093" actId="20577"/>
         <pc:sldMkLst>
           <pc:docMk/>
           <pc:sldMk cId="1835741777" sldId="420"/>
@@ -689,7 +930,7 @@
           </ac:spMkLst>
         </pc:spChg>
         <pc:spChg chg="add mod">
-          <ac:chgData name="Sébastien Lambert" userId="80e69ea09684ee6d" providerId="LiveId" clId="{9AB79CB0-AEBF-4D0C-9FF6-2E4F657387ED}" dt="2024-06-06T10:43:15.400" v="2647" actId="1036"/>
+          <ac:chgData name="Sébastien Lambert" userId="80e69ea09684ee6d" providerId="LiveId" clId="{9AB79CB0-AEBF-4D0C-9FF6-2E4F657387ED}" dt="2024-06-07T16:56:21.062" v="3093" actId="20577"/>
           <ac:spMkLst>
             <pc:docMk/>
             <pc:sldMk cId="1835741777" sldId="420"/>
@@ -704,8 +945,8 @@
             <ac:spMk id="6" creationId="{57C503BA-9465-5120-6AF6-AF6CDD932D0E}"/>
           </ac:spMkLst>
         </pc:spChg>
-        <pc:picChg chg="add mod">
-          <ac:chgData name="Sébastien Lambert" userId="80e69ea09684ee6d" providerId="LiveId" clId="{9AB79CB0-AEBF-4D0C-9FF6-2E4F657387ED}" dt="2024-06-06T10:43:15.400" v="2647" actId="1036"/>
+        <pc:picChg chg="add del mod">
+          <ac:chgData name="Sébastien Lambert" userId="80e69ea09684ee6d" providerId="LiveId" clId="{9AB79CB0-AEBF-4D0C-9FF6-2E4F657387ED}" dt="2024-06-07T15:41:41.874" v="2972" actId="478"/>
           <ac:picMkLst>
             <pc:docMk/>
             <pc:sldMk cId="1835741777" sldId="420"/>
@@ -720,9 +961,17 @@
             <ac:picMk id="7" creationId="{355CFD80-0B83-9D9B-FBE6-931E65840B93}"/>
           </ac:picMkLst>
         </pc:picChg>
+        <pc:picChg chg="add mod">
+          <ac:chgData name="Sébastien Lambert" userId="80e69ea09684ee6d" providerId="LiveId" clId="{9AB79CB0-AEBF-4D0C-9FF6-2E4F657387ED}" dt="2024-06-07T15:41:49.890" v="2975" actId="1076"/>
+          <ac:picMkLst>
+            <pc:docMk/>
+            <pc:sldMk cId="1835741777" sldId="420"/>
+            <ac:picMk id="8" creationId="{7EFA3349-F08D-ABE5-8C8E-0E9E885B5D46}"/>
+          </ac:picMkLst>
+        </pc:picChg>
       </pc:sldChg>
       <pc:sldChg chg="addSp delSp modSp add mod">
-        <pc:chgData name="Sébastien Lambert" userId="80e69ea09684ee6d" providerId="LiveId" clId="{9AB79CB0-AEBF-4D0C-9FF6-2E4F657387ED}" dt="2024-06-06T09:12:39.152" v="1549" actId="20577"/>
+        <pc:chgData name="Sébastien Lambert" userId="80e69ea09684ee6d" providerId="LiveId" clId="{9AB79CB0-AEBF-4D0C-9FF6-2E4F657387ED}" dt="2024-06-10T09:51:02.573" v="4187" actId="20577"/>
         <pc:sldMkLst>
           <pc:docMk/>
           <pc:sldMk cId="2178102951" sldId="421"/>
@@ -760,7 +1009,7 @@
           </ac:spMkLst>
         </pc:spChg>
         <pc:graphicFrameChg chg="add mod modGraphic">
-          <ac:chgData name="Sébastien Lambert" userId="80e69ea09684ee6d" providerId="LiveId" clId="{9AB79CB0-AEBF-4D0C-9FF6-2E4F657387ED}" dt="2024-06-06T09:12:39.152" v="1549" actId="20577"/>
+          <ac:chgData name="Sébastien Lambert" userId="80e69ea09684ee6d" providerId="LiveId" clId="{9AB79CB0-AEBF-4D0C-9FF6-2E4F657387ED}" dt="2024-06-10T09:51:02.573" v="4187" actId="20577"/>
           <ac:graphicFrameMkLst>
             <pc:docMk/>
             <pc:sldMk cId="2178102951" sldId="421"/>
@@ -820,8 +1069,8 @@
           <pc:sldMk cId="1149092154" sldId="423"/>
         </pc:sldMkLst>
       </pc:sldChg>
-      <pc:sldChg chg="addSp delSp modSp new mod">
-        <pc:chgData name="Sébastien Lambert" userId="80e69ea09684ee6d" providerId="LiveId" clId="{9AB79CB0-AEBF-4D0C-9FF6-2E4F657387ED}" dt="2024-06-06T10:24:29.855" v="2070" actId="20577"/>
+      <pc:sldChg chg="addSp delSp modSp new mod modNotesTx">
+        <pc:chgData name="Sébastien Lambert" userId="80e69ea09684ee6d" providerId="LiveId" clId="{9AB79CB0-AEBF-4D0C-9FF6-2E4F657387ED}" dt="2024-06-10T09:55:55.847" v="4263" actId="1076"/>
         <pc:sldMkLst>
           <pc:docMk/>
           <pc:sldMk cId="659558332" sldId="424"/>
@@ -867,7 +1116,7 @@
           </ac:spMkLst>
         </pc:spChg>
         <pc:spChg chg="add mod">
-          <ac:chgData name="Sébastien Lambert" userId="80e69ea09684ee6d" providerId="LiveId" clId="{9AB79CB0-AEBF-4D0C-9FF6-2E4F657387ED}" dt="2024-06-06T09:13:27.884" v="1566" actId="20577"/>
+          <ac:chgData name="Sébastien Lambert" userId="80e69ea09684ee6d" providerId="LiveId" clId="{9AB79CB0-AEBF-4D0C-9FF6-2E4F657387ED}" dt="2024-06-10T09:55:40.545" v="4259" actId="1076"/>
           <ac:spMkLst>
             <pc:docMk/>
             <pc:sldMk cId="659558332" sldId="424"/>
@@ -904,6 +1153,14 @@
             <pc:docMk/>
             <pc:sldMk cId="659558332" sldId="424"/>
             <ac:picMk id="9" creationId="{DEDCF1AF-61FB-C2AA-F184-B0BE59EF8F92}"/>
+          </ac:picMkLst>
+        </pc:picChg>
+        <pc:picChg chg="add mod">
+          <ac:chgData name="Sébastien Lambert" userId="80e69ea09684ee6d" providerId="LiveId" clId="{9AB79CB0-AEBF-4D0C-9FF6-2E4F657387ED}" dt="2024-06-10T09:55:55.847" v="4263" actId="1076"/>
+          <ac:picMkLst>
+            <pc:docMk/>
+            <pc:sldMk cId="659558332" sldId="424"/>
+            <ac:picMk id="1026" creationId="{7674D6D5-9C79-A579-E500-3E2254CC7799}"/>
           </ac:picMkLst>
         </pc:picChg>
       </pc:sldChg>
@@ -915,13 +1172,13 @@
         </pc:sldMkLst>
       </pc:sldChg>
       <pc:sldChg chg="addSp modSp add mod">
-        <pc:chgData name="Sébastien Lambert" userId="80e69ea09684ee6d" providerId="LiveId" clId="{9AB79CB0-AEBF-4D0C-9FF6-2E4F657387ED}" dt="2024-06-06T10:43:28.538" v="2650" actId="20577"/>
+        <pc:chgData name="Sébastien Lambert" userId="80e69ea09684ee6d" providerId="LiveId" clId="{9AB79CB0-AEBF-4D0C-9FF6-2E4F657387ED}" dt="2024-06-09T22:35:41.374" v="3860" actId="20577"/>
         <pc:sldMkLst>
           <pc:docMk/>
           <pc:sldMk cId="1718382892" sldId="425"/>
         </pc:sldMkLst>
         <pc:spChg chg="add mod">
-          <ac:chgData name="Sébastien Lambert" userId="80e69ea09684ee6d" providerId="LiveId" clId="{9AB79CB0-AEBF-4D0C-9FF6-2E4F657387ED}" dt="2024-06-06T10:43:28.538" v="2650" actId="20577"/>
+          <ac:chgData name="Sébastien Lambert" userId="80e69ea09684ee6d" providerId="LiveId" clId="{9AB79CB0-AEBF-4D0C-9FF6-2E4F657387ED}" dt="2024-06-09T22:35:41.374" v="3860" actId="20577"/>
           <ac:spMkLst>
             <pc:docMk/>
             <pc:sldMk cId="1718382892" sldId="425"/>
@@ -989,6 +1246,147 @@
             <pc:docMk/>
             <pc:sldMk cId="1588572308" sldId="426"/>
             <ac:picMk id="4098" creationId="{EDC4D980-7693-896D-1D37-23157FFBC163}"/>
+          </ac:picMkLst>
+        </pc:picChg>
+      </pc:sldChg>
+      <pc:sldChg chg="addSp delSp modSp new mod">
+        <pc:chgData name="Sébastien Lambert" userId="80e69ea09684ee6d" providerId="LiveId" clId="{9AB79CB0-AEBF-4D0C-9FF6-2E4F657387ED}" dt="2024-06-10T09:58:04.558" v="4324" actId="20577"/>
+        <pc:sldMkLst>
+          <pc:docMk/>
+          <pc:sldMk cId="1904630676" sldId="427"/>
+        </pc:sldMkLst>
+        <pc:spChg chg="add mod">
+          <ac:chgData name="Sébastien Lambert" userId="80e69ea09684ee6d" providerId="LiveId" clId="{9AB79CB0-AEBF-4D0C-9FF6-2E4F657387ED}" dt="2024-06-07T16:58:09.074" v="3114" actId="20577"/>
+          <ac:spMkLst>
+            <pc:docMk/>
+            <pc:sldMk cId="1904630676" sldId="427"/>
+            <ac:spMk id="2" creationId="{784B39CC-0A53-F1AC-4E9B-E63AE3B91427}"/>
+          </ac:spMkLst>
+        </pc:spChg>
+        <pc:spChg chg="add del mod">
+          <ac:chgData name="Sébastien Lambert" userId="80e69ea09684ee6d" providerId="LiveId" clId="{9AB79CB0-AEBF-4D0C-9FF6-2E4F657387ED}" dt="2024-06-09T22:33:53.234" v="3809"/>
+          <ac:spMkLst>
+            <pc:docMk/>
+            <pc:sldMk cId="1904630676" sldId="427"/>
+            <ac:spMk id="3" creationId="{6139865D-9069-42C0-94B0-8813396894BC}"/>
+          </ac:spMkLst>
+        </pc:spChg>
+        <pc:spChg chg="add mod">
+          <ac:chgData name="Sébastien Lambert" userId="80e69ea09684ee6d" providerId="LiveId" clId="{9AB79CB0-AEBF-4D0C-9FF6-2E4F657387ED}" dt="2024-06-10T09:58:04.558" v="4324" actId="20577"/>
+          <ac:spMkLst>
+            <pc:docMk/>
+            <pc:sldMk cId="1904630676" sldId="427"/>
+            <ac:spMk id="3" creationId="{D6E01886-63C5-A96C-DDB6-1613F49F4935}"/>
+          </ac:spMkLst>
+        </pc:spChg>
+        <pc:spChg chg="add del mod">
+          <ac:chgData name="Sébastien Lambert" userId="80e69ea09684ee6d" providerId="LiveId" clId="{9AB79CB0-AEBF-4D0C-9FF6-2E4F657387ED}" dt="2024-06-09T22:33:53.233" v="3807"/>
+          <ac:spMkLst>
+            <pc:docMk/>
+            <pc:sldMk cId="1904630676" sldId="427"/>
+            <ac:spMk id="4" creationId="{B33088A6-BA43-AB03-7708-A60DF2BA6DD9}"/>
+          </ac:spMkLst>
+        </pc:spChg>
+        <pc:spChg chg="add del">
+          <ac:chgData name="Sébastien Lambert" userId="80e69ea09684ee6d" providerId="LiveId" clId="{9AB79CB0-AEBF-4D0C-9FF6-2E4F657387ED}" dt="2024-06-09T22:32:28.959" v="3782" actId="22"/>
+          <ac:spMkLst>
+            <pc:docMk/>
+            <pc:sldMk cId="1904630676" sldId="427"/>
+            <ac:spMk id="6" creationId="{3B433AD8-614F-EC00-45F0-D0D3CB3F9993}"/>
+          </ac:spMkLst>
+        </pc:spChg>
+        <pc:spChg chg="add mod">
+          <ac:chgData name="Sébastien Lambert" userId="80e69ea09684ee6d" providerId="LiveId" clId="{9AB79CB0-AEBF-4D0C-9FF6-2E4F657387ED}" dt="2024-06-09T22:32:47.972" v="3788" actId="1076"/>
+          <ac:spMkLst>
+            <pc:docMk/>
+            <pc:sldMk cId="1904630676" sldId="427"/>
+            <ac:spMk id="8" creationId="{128AF999-F116-BCA8-1D85-F7F070F14672}"/>
+          </ac:spMkLst>
+        </pc:spChg>
+        <pc:spChg chg="add mod ord">
+          <ac:chgData name="Sébastien Lambert" userId="80e69ea09684ee6d" providerId="LiveId" clId="{9AB79CB0-AEBF-4D0C-9FF6-2E4F657387ED}" dt="2024-06-09T22:34:25.531" v="3815" actId="13822"/>
+          <ac:spMkLst>
+            <pc:docMk/>
+            <pc:sldMk cId="1904630676" sldId="427"/>
+            <ac:spMk id="9" creationId="{AAA66924-251C-94E5-6F81-D422C4F4A50B}"/>
+          </ac:spMkLst>
+        </pc:spChg>
+        <pc:spChg chg="add mod">
+          <ac:chgData name="Sébastien Lambert" userId="80e69ea09684ee6d" providerId="LiveId" clId="{9AB79CB0-AEBF-4D0C-9FF6-2E4F657387ED}" dt="2024-06-09T22:34:32.798" v="3816" actId="13822"/>
+          <ac:spMkLst>
+            <pc:docMk/>
+            <pc:sldMk cId="1904630676" sldId="427"/>
+            <ac:spMk id="10" creationId="{7CD9973A-9E84-7F59-1062-07D117757102}"/>
+          </ac:spMkLst>
+        </pc:spChg>
+        <pc:picChg chg="add mod">
+          <ac:chgData name="Sébastien Lambert" userId="80e69ea09684ee6d" providerId="LiveId" clId="{9AB79CB0-AEBF-4D0C-9FF6-2E4F657387ED}" dt="2024-06-09T22:34:40.415" v="3818" actId="1076"/>
+          <ac:picMkLst>
+            <pc:docMk/>
+            <pc:sldMk cId="1904630676" sldId="427"/>
+            <ac:picMk id="2050" creationId="{27766569-AA2B-0B6F-9C01-79AA6F0A35B4}"/>
+          </ac:picMkLst>
+        </pc:picChg>
+      </pc:sldChg>
+      <pc:sldChg chg="addSp delSp modSp new del mod modShow">
+        <pc:chgData name="Sébastien Lambert" userId="80e69ea09684ee6d" providerId="LiveId" clId="{9AB79CB0-AEBF-4D0C-9FF6-2E4F657387ED}" dt="2024-06-09T22:49:32.159" v="3978" actId="47"/>
+        <pc:sldMkLst>
+          <pc:docMk/>
+          <pc:sldMk cId="1781588250" sldId="428"/>
+        </pc:sldMkLst>
+        <pc:picChg chg="add del mod">
+          <ac:chgData name="Sébastien Lambert" userId="80e69ea09684ee6d" providerId="LiveId" clId="{9AB79CB0-AEBF-4D0C-9FF6-2E4F657387ED}" dt="2024-06-09T22:29:35.927" v="3631" actId="21"/>
+          <ac:picMkLst>
+            <pc:docMk/>
+            <pc:sldMk cId="1781588250" sldId="428"/>
+            <ac:picMk id="2050" creationId="{27766569-AA2B-0B6F-9C01-79AA6F0A35B4}"/>
+          </ac:picMkLst>
+        </pc:picChg>
+      </pc:sldChg>
+      <pc:sldChg chg="addSp delSp modSp add mod">
+        <pc:chgData name="Sébastien Lambert" userId="80e69ea09684ee6d" providerId="LiveId" clId="{9AB79CB0-AEBF-4D0C-9FF6-2E4F657387ED}" dt="2024-06-09T22:48:56.274" v="3977" actId="1076"/>
+        <pc:sldMkLst>
+          <pc:docMk/>
+          <pc:sldMk cId="3118411395" sldId="429"/>
+        </pc:sldMkLst>
+        <pc:grpChg chg="add del mod">
+          <ac:chgData name="Sébastien Lambert" userId="80e69ea09684ee6d" providerId="LiveId" clId="{9AB79CB0-AEBF-4D0C-9FF6-2E4F657387ED}" dt="2024-06-09T22:48:26.194" v="3972" actId="478"/>
+          <ac:grpSpMkLst>
+            <pc:docMk/>
+            <pc:sldMk cId="3118411395" sldId="429"/>
+            <ac:grpSpMk id="3" creationId="{C6E36F5E-3BED-E25E-A9F4-905326BEFE7A}"/>
+          </ac:grpSpMkLst>
+        </pc:grpChg>
+        <pc:picChg chg="mod modCrop">
+          <ac:chgData name="Sébastien Lambert" userId="80e69ea09684ee6d" providerId="LiveId" clId="{9AB79CB0-AEBF-4D0C-9FF6-2E4F657387ED}" dt="2024-06-09T22:45:43.648" v="3958" actId="164"/>
+          <ac:picMkLst>
+            <pc:docMk/>
+            <pc:sldMk cId="3118411395" sldId="429"/>
+            <ac:picMk id="4" creationId="{BA91767E-9AC9-8ED5-DCE8-DFF458CEDE26}"/>
+          </ac:picMkLst>
+        </pc:picChg>
+        <pc:picChg chg="add del mod">
+          <ac:chgData name="Sébastien Lambert" userId="80e69ea09684ee6d" providerId="LiveId" clId="{9AB79CB0-AEBF-4D0C-9FF6-2E4F657387ED}" dt="2024-06-09T22:48:50.266" v="3976" actId="478"/>
+          <ac:picMkLst>
+            <pc:docMk/>
+            <pc:sldMk cId="3118411395" sldId="429"/>
+            <ac:picMk id="6" creationId="{C78010F2-BA60-8B7B-1284-BE9C383D8653}"/>
+          </ac:picMkLst>
+        </pc:picChg>
+        <pc:picChg chg="add mod modCrop">
+          <ac:chgData name="Sébastien Lambert" userId="80e69ea09684ee6d" providerId="LiveId" clId="{9AB79CB0-AEBF-4D0C-9FF6-2E4F657387ED}" dt="2024-06-09T22:45:43.648" v="3958" actId="164"/>
+          <ac:picMkLst>
+            <pc:docMk/>
+            <pc:sldMk cId="3118411395" sldId="429"/>
+            <ac:picMk id="7" creationId="{D3305A64-C8F7-60AE-7613-4517AE8785A6}"/>
+          </ac:picMkLst>
+        </pc:picChg>
+        <pc:picChg chg="add mod">
+          <ac:chgData name="Sébastien Lambert" userId="80e69ea09684ee6d" providerId="LiveId" clId="{9AB79CB0-AEBF-4D0C-9FF6-2E4F657387ED}" dt="2024-06-09T22:48:56.274" v="3977" actId="1076"/>
+          <ac:picMkLst>
+            <pc:docMk/>
+            <pc:sldMk cId="3118411395" sldId="429"/>
+            <ac:picMk id="9" creationId="{7EE05CA5-6C3C-FD00-387D-CC6C90692578}"/>
           </ac:picMkLst>
         </pc:picChg>
       </pc:sldChg>
@@ -1102,7 +1500,7 @@
           <a:p>
             <a:fld id="{A880053B-DBAC-456F-95A8-57B30202768C}" type="datetimeFigureOut">
               <a:rPr lang="en-GB" smtClean="0"/>
-              <a:t>06/06/2024</a:t>
+              <a:t>10/06/2024</a:t>
             </a:fld>
             <a:endParaRPr lang="en-GB"/>
           </a:p>
@@ -1267,7 +1665,7 @@
           <a:p>
             <a:fld id="{567B4633-AB24-45CB-966C-EE4913A87181}" type="datetimeFigureOut">
               <a:rPr lang="en-GB" smtClean="0"/>
-              <a:t>06/06/2024</a:t>
+              <a:t>10/06/2024</a:t>
             </a:fld>
             <a:endParaRPr lang="en-GB"/>
           </a:p>
@@ -1533,6 +1931,261 @@
     </a:lvl9pPr>
   </p:notesStyle>
 </p:notesMaster>
+</file>
+
+<file path=ppt/notesSlides/notesSlide1.xml><?xml version="1.0" encoding="utf-8"?>
+<p:notes xmlns:a="http://schemas.openxmlformats.org/drawingml/2006/main" xmlns:r="http://schemas.openxmlformats.org/officeDocument/2006/relationships" xmlns:p="http://schemas.openxmlformats.org/presentationml/2006/main">
+  <p:cSld>
+    <p:spTree>
+      <p:nvGrpSpPr>
+        <p:cNvPr id="1" name=""/>
+        <p:cNvGrpSpPr/>
+        <p:nvPr/>
+      </p:nvGrpSpPr>
+      <p:grpSpPr>
+        <a:xfrm>
+          <a:off x="0" y="0"/>
+          <a:ext cx="0" cy="0"/>
+          <a:chOff x="0" y="0"/>
+          <a:chExt cx="0" cy="0"/>
+        </a:xfrm>
+      </p:grpSpPr>
+      <p:sp>
+        <p:nvSpPr>
+          <p:cNvPr id="2" name="Espace réservé de l'image des diapositives 1"/>
+          <p:cNvSpPr>
+            <a:spLocks noGrp="1" noRot="1" noChangeAspect="1"/>
+          </p:cNvSpPr>
+          <p:nvPr>
+            <p:ph type="sldImg"/>
+          </p:nvPr>
+        </p:nvSpPr>
+        <p:spPr/>
+      </p:sp>
+      <p:sp>
+        <p:nvSpPr>
+          <p:cNvPr id="3" name="Espace réservé des notes 2"/>
+          <p:cNvSpPr>
+            <a:spLocks noGrp="1"/>
+          </p:cNvSpPr>
+          <p:nvPr>
+            <p:ph type="body" idx="1"/>
+          </p:nvPr>
+        </p:nvSpPr>
+        <p:spPr/>
+        <p:txBody>
+          <a:bodyPr/>
+          <a:lstStyle/>
+          <a:p>
+            <a:r>
+              <a:rPr lang="en-GB" dirty="0"/>
+              <a:t>Shadowing : Aircraft trajectory, bank angles roll etc,</a:t>
+            </a:r>
+          </a:p>
+        </p:txBody>
+      </p:sp>
+      <p:sp>
+        <p:nvSpPr>
+          <p:cNvPr id="4" name="Espace réservé du numéro de diapositive 3"/>
+          <p:cNvSpPr>
+            <a:spLocks noGrp="1"/>
+          </p:cNvSpPr>
+          <p:nvPr>
+            <p:ph type="sldNum" sz="quarter" idx="5"/>
+          </p:nvPr>
+        </p:nvSpPr>
+        <p:spPr/>
+        <p:txBody>
+          <a:bodyPr/>
+          <a:lstStyle/>
+          <a:p>
+            <a:fld id="{FCB3BBC4-4A49-4B31-85EA-7C57C9A23410}" type="slidenum">
+              <a:rPr lang="en-GB" smtClean="0"/>
+              <a:t>7</a:t>
+            </a:fld>
+            <a:endParaRPr lang="en-GB"/>
+          </a:p>
+        </p:txBody>
+      </p:sp>
+    </p:spTree>
+    <p:extLst>
+      <p:ext uri="{BB962C8B-B14F-4D97-AF65-F5344CB8AC3E}">
+        <p14:creationId xmlns:p14="http://schemas.microsoft.com/office/powerpoint/2010/main" val="1036034591"/>
+      </p:ext>
+    </p:extLst>
+  </p:cSld>
+  <p:clrMapOvr>
+    <a:masterClrMapping/>
+  </p:clrMapOvr>
+</p:notes>
+</file>
+
+<file path=ppt/notesSlides/notesSlide2.xml><?xml version="1.0" encoding="utf-8"?>
+<p:notes xmlns:a="http://schemas.openxmlformats.org/drawingml/2006/main" xmlns:r="http://schemas.openxmlformats.org/officeDocument/2006/relationships" xmlns:p="http://schemas.openxmlformats.org/presentationml/2006/main">
+  <p:cSld>
+    <p:spTree>
+      <p:nvGrpSpPr>
+        <p:cNvPr id="1" name=""/>
+        <p:cNvGrpSpPr/>
+        <p:nvPr/>
+      </p:nvGrpSpPr>
+      <p:grpSpPr>
+        <a:xfrm>
+          <a:off x="0" y="0"/>
+          <a:ext cx="0" cy="0"/>
+          <a:chOff x="0" y="0"/>
+          <a:chExt cx="0" cy="0"/>
+        </a:xfrm>
+      </p:grpSpPr>
+      <p:sp>
+        <p:nvSpPr>
+          <p:cNvPr id="2" name="Espace réservé de l'image des diapositives 1"/>
+          <p:cNvSpPr>
+            <a:spLocks noGrp="1" noRot="1" noChangeAspect="1"/>
+          </p:cNvSpPr>
+          <p:nvPr>
+            <p:ph type="sldImg"/>
+          </p:nvPr>
+        </p:nvSpPr>
+        <p:spPr/>
+      </p:sp>
+      <p:sp>
+        <p:nvSpPr>
+          <p:cNvPr id="3" name="Espace réservé des notes 2"/>
+          <p:cNvSpPr>
+            <a:spLocks noGrp="1"/>
+          </p:cNvSpPr>
+          <p:nvPr>
+            <p:ph type="body" idx="1"/>
+          </p:nvPr>
+        </p:nvSpPr>
+        <p:spPr/>
+        <p:txBody>
+          <a:bodyPr/>
+          <a:lstStyle/>
+          <a:p>
+            <a:endParaRPr lang="en-GB" dirty="0"/>
+          </a:p>
+        </p:txBody>
+      </p:sp>
+      <p:sp>
+        <p:nvSpPr>
+          <p:cNvPr id="4" name="Espace réservé du numéro de diapositive 3"/>
+          <p:cNvSpPr>
+            <a:spLocks noGrp="1"/>
+          </p:cNvSpPr>
+          <p:nvPr>
+            <p:ph type="sldNum" sz="quarter" idx="5"/>
+          </p:nvPr>
+        </p:nvSpPr>
+        <p:spPr/>
+        <p:txBody>
+          <a:bodyPr/>
+          <a:lstStyle/>
+          <a:p>
+            <a:fld id="{FCB3BBC4-4A49-4B31-85EA-7C57C9A23410}" type="slidenum">
+              <a:rPr lang="en-GB" smtClean="0"/>
+              <a:t>16</a:t>
+            </a:fld>
+            <a:endParaRPr lang="en-GB"/>
+          </a:p>
+        </p:txBody>
+      </p:sp>
+    </p:spTree>
+    <p:extLst>
+      <p:ext uri="{BB962C8B-B14F-4D97-AF65-F5344CB8AC3E}">
+        <p14:creationId xmlns:p14="http://schemas.microsoft.com/office/powerpoint/2010/main" val="3597490609"/>
+      </p:ext>
+    </p:extLst>
+  </p:cSld>
+  <p:clrMapOvr>
+    <a:masterClrMapping/>
+  </p:clrMapOvr>
+</p:notes>
+</file>
+
+<file path=ppt/notesSlides/notesSlide3.xml><?xml version="1.0" encoding="utf-8"?>
+<p:notes xmlns:a="http://schemas.openxmlformats.org/drawingml/2006/main" xmlns:r="http://schemas.openxmlformats.org/officeDocument/2006/relationships" xmlns:p="http://schemas.openxmlformats.org/presentationml/2006/main">
+  <p:cSld>
+    <p:spTree>
+      <p:nvGrpSpPr>
+        <p:cNvPr id="1" name=""/>
+        <p:cNvGrpSpPr/>
+        <p:nvPr/>
+      </p:nvGrpSpPr>
+      <p:grpSpPr>
+        <a:xfrm>
+          <a:off x="0" y="0"/>
+          <a:ext cx="0" cy="0"/>
+          <a:chOff x="0" y="0"/>
+          <a:chExt cx="0" cy="0"/>
+        </a:xfrm>
+      </p:grpSpPr>
+      <p:sp>
+        <p:nvSpPr>
+          <p:cNvPr id="2" name="Espace réservé de l'image des diapositives 1"/>
+          <p:cNvSpPr>
+            <a:spLocks noGrp="1" noRot="1" noChangeAspect="1"/>
+          </p:cNvSpPr>
+          <p:nvPr>
+            <p:ph type="sldImg"/>
+          </p:nvPr>
+        </p:nvSpPr>
+        <p:spPr/>
+      </p:sp>
+      <p:sp>
+        <p:nvSpPr>
+          <p:cNvPr id="3" name="Espace réservé des notes 2"/>
+          <p:cNvSpPr>
+            <a:spLocks noGrp="1"/>
+          </p:cNvSpPr>
+          <p:nvPr>
+            <p:ph type="body" idx="1"/>
+          </p:nvPr>
+        </p:nvSpPr>
+        <p:spPr/>
+        <p:txBody>
+          <a:bodyPr/>
+          <a:lstStyle/>
+          <a:p>
+            <a:endParaRPr lang="en-GB"/>
+          </a:p>
+        </p:txBody>
+      </p:sp>
+      <p:sp>
+        <p:nvSpPr>
+          <p:cNvPr id="4" name="Espace réservé du numéro de diapositive 3"/>
+          <p:cNvSpPr>
+            <a:spLocks noGrp="1"/>
+          </p:cNvSpPr>
+          <p:nvPr>
+            <p:ph type="sldNum" sz="quarter" idx="5"/>
+          </p:nvPr>
+        </p:nvSpPr>
+        <p:spPr/>
+        <p:txBody>
+          <a:bodyPr/>
+          <a:lstStyle/>
+          <a:p>
+            <a:fld id="{FCB3BBC4-4A49-4B31-85EA-7C57C9A23410}" type="slidenum">
+              <a:rPr lang="en-GB" smtClean="0"/>
+              <a:t>17</a:t>
+            </a:fld>
+            <a:endParaRPr lang="en-GB"/>
+          </a:p>
+        </p:txBody>
+      </p:sp>
+    </p:spTree>
+    <p:extLst>
+      <p:ext uri="{BB962C8B-B14F-4D97-AF65-F5344CB8AC3E}">
+        <p14:creationId xmlns:p14="http://schemas.microsoft.com/office/powerpoint/2010/main" val="571852252"/>
+      </p:ext>
+    </p:extLst>
+  </p:cSld>
+  <p:clrMapOvr>
+    <a:masterClrMapping/>
+  </p:clrMapOvr>
+</p:notes>
 </file>
 
 <file path=ppt/slideLayouts/slideLayout1.xml><?xml version="1.0" encoding="utf-8"?>
@@ -2654,41 +3307,737 @@
                 <a:latin typeface="Arial" pitchFamily="34" charset="0"/>
                 <a:cs typeface="Arial" pitchFamily="34" charset="0"/>
               </a:rPr>
-              <a:t>Result to date</a:t>
+              <a:t>Methodology</a:t>
             </a:r>
           </a:p>
         </p:txBody>
       </p:sp>
-      <p:pic>
-        <p:nvPicPr>
-          <p:cNvPr id="4" name="Image 3">
+      <p:grpSp>
+        <p:nvGrpSpPr>
+          <p:cNvPr id="8" name="Groupe 7">
             <a:extLst>
               <a:ext uri="{FF2B5EF4-FFF2-40B4-BE49-F238E27FC236}">
-                <a16:creationId xmlns:a16="http://schemas.microsoft.com/office/drawing/2014/main" id="{4BD161FB-AB02-5991-DA27-36E08965ADEF}"/>
+                <a16:creationId xmlns:a16="http://schemas.microsoft.com/office/drawing/2014/main" id="{64B16BDD-8828-A79D-32BF-47C392C00F1C}"/>
               </a:ext>
             </a:extLst>
           </p:cNvPr>
-          <p:cNvPicPr>
-            <a:picLocks noChangeAspect="1"/>
-          </p:cNvPicPr>
+          <p:cNvGrpSpPr/>
           <p:nvPr/>
-        </p:nvPicPr>
-        <p:blipFill>
-          <a:blip r:embed="rId2"/>
-          <a:stretch>
-            <a:fillRect/>
-          </a:stretch>
-        </p:blipFill>
+        </p:nvGrpSpPr>
+        <p:grpSpPr>
+          <a:xfrm>
+            <a:off x="1370613" y="1716803"/>
+            <a:ext cx="6402773" cy="3920572"/>
+            <a:chOff x="1310859" y="1636775"/>
+            <a:chExt cx="6402773" cy="3920572"/>
+          </a:xfrm>
+        </p:grpSpPr>
+        <p:sp>
+          <p:nvSpPr>
+            <p:cNvPr id="3" name="Rectangle 2">
+              <a:extLst>
+                <a:ext uri="{FF2B5EF4-FFF2-40B4-BE49-F238E27FC236}">
+                  <a16:creationId xmlns:a16="http://schemas.microsoft.com/office/drawing/2014/main" id="{018E06E7-6556-B409-4E7D-8FDDAA853D5D}"/>
+                </a:ext>
+              </a:extLst>
+            </p:cNvPr>
+            <p:cNvSpPr/>
+            <p:nvPr/>
+          </p:nvSpPr>
+          <p:spPr>
+            <a:xfrm>
+              <a:off x="3151691" y="2389229"/>
+              <a:ext cx="2316078" cy="461665"/>
+            </a:xfrm>
+            <a:prstGeom prst="rect">
+              <a:avLst/>
+            </a:prstGeom>
+            <a:solidFill>
+              <a:srgbClr val="4F81BD"/>
+            </a:solidFill>
+            <a:ln>
+              <a:solidFill>
+                <a:schemeClr val="accent1">
+                  <a:lumMod val="75000"/>
+                </a:schemeClr>
+              </a:solidFill>
+            </a:ln>
+            <a:effectLst>
+              <a:outerShdw blurRad="50800" dist="38100" dir="5400000" algn="t" rotWithShape="0">
+                <a:prstClr val="black">
+                  <a:alpha val="40000"/>
+                </a:prstClr>
+              </a:outerShdw>
+            </a:effectLst>
+          </p:spPr>
+          <p:style>
+            <a:lnRef idx="0">
+              <a:scrgbClr r="0" g="0" b="0"/>
+            </a:lnRef>
+            <a:fillRef idx="0">
+              <a:scrgbClr r="0" g="0" b="0"/>
+            </a:fillRef>
+            <a:effectRef idx="0">
+              <a:scrgbClr r="0" g="0" b="0"/>
+            </a:effectRef>
+            <a:fontRef idx="minor">
+              <a:schemeClr val="lt1"/>
+            </a:fontRef>
+          </p:style>
+          <p:txBody>
+            <a:bodyPr rtlCol="0" anchor="ctr"/>
+            <a:lstStyle/>
+            <a:p>
+              <a:pPr algn="ctr"/>
+              <a:r>
+                <a:rPr lang="en-GB" dirty="0"/>
+                <a:t>Control system</a:t>
+              </a:r>
+            </a:p>
+          </p:txBody>
+        </p:sp>
+        <p:sp>
+          <p:nvSpPr>
+            <p:cNvPr id="4" name="Rectangle 3">
+              <a:extLst>
+                <a:ext uri="{FF2B5EF4-FFF2-40B4-BE49-F238E27FC236}">
+                  <a16:creationId xmlns:a16="http://schemas.microsoft.com/office/drawing/2014/main" id="{D0F6B301-506F-EE0C-BD59-6C73FC5D5900}"/>
+                </a:ext>
+              </a:extLst>
+            </p:cNvPr>
+            <p:cNvSpPr/>
+            <p:nvPr/>
+          </p:nvSpPr>
+          <p:spPr>
+            <a:xfrm>
+              <a:off x="3151691" y="3275171"/>
+              <a:ext cx="2316078" cy="551447"/>
+            </a:xfrm>
+            <a:prstGeom prst="rect">
+              <a:avLst/>
+            </a:prstGeom>
+            <a:solidFill>
+              <a:srgbClr val="4F81BD"/>
+            </a:solidFill>
+            <a:ln>
+              <a:solidFill>
+                <a:schemeClr val="accent1">
+                  <a:lumMod val="75000"/>
+                </a:schemeClr>
+              </a:solidFill>
+            </a:ln>
+            <a:effectLst>
+              <a:outerShdw blurRad="50800" dist="38100" dir="5400000" algn="t" rotWithShape="0">
+                <a:prstClr val="black">
+                  <a:alpha val="40000"/>
+                </a:prstClr>
+              </a:outerShdw>
+            </a:effectLst>
+          </p:spPr>
+          <p:style>
+            <a:lnRef idx="0">
+              <a:scrgbClr r="0" g="0" b="0"/>
+            </a:lnRef>
+            <a:fillRef idx="0">
+              <a:scrgbClr r="0" g="0" b="0"/>
+            </a:fillRef>
+            <a:effectRef idx="0">
+              <a:scrgbClr r="0" g="0" b="0"/>
+            </a:effectRef>
+            <a:fontRef idx="minor">
+              <a:schemeClr val="lt1"/>
+            </a:fontRef>
+          </p:style>
+          <p:txBody>
+            <a:bodyPr rtlCol="0" anchor="ctr"/>
+            <a:lstStyle/>
+            <a:p>
+              <a:pPr algn="ctr"/>
+              <a:r>
+                <a:rPr lang="en-GB" dirty="0"/>
+                <a:t>Analyse antennas Quality of signal</a:t>
+              </a:r>
+            </a:p>
+          </p:txBody>
+        </p:sp>
+        <p:sp>
+          <p:nvSpPr>
+            <p:cNvPr id="5" name="Rectangle 4">
+              <a:extLst>
+                <a:ext uri="{FF2B5EF4-FFF2-40B4-BE49-F238E27FC236}">
+                  <a16:creationId xmlns:a16="http://schemas.microsoft.com/office/drawing/2014/main" id="{FFACB4F7-519A-7DAE-C818-747152D683A3}"/>
+                </a:ext>
+              </a:extLst>
+            </p:cNvPr>
+            <p:cNvSpPr/>
+            <p:nvPr/>
+          </p:nvSpPr>
+          <p:spPr>
+            <a:xfrm>
+              <a:off x="1310859" y="4621984"/>
+              <a:ext cx="2580774" cy="935363"/>
+            </a:xfrm>
+            <a:prstGeom prst="rect">
+              <a:avLst/>
+            </a:prstGeom>
+            <a:solidFill>
+              <a:srgbClr val="4F81BD"/>
+            </a:solidFill>
+            <a:ln>
+              <a:solidFill>
+                <a:schemeClr val="accent1">
+                  <a:lumMod val="75000"/>
+                </a:schemeClr>
+              </a:solidFill>
+            </a:ln>
+            <a:effectLst>
+              <a:outerShdw blurRad="50800" dist="38100" dir="5400000" algn="t" rotWithShape="0">
+                <a:prstClr val="black">
+                  <a:alpha val="40000"/>
+                </a:prstClr>
+              </a:outerShdw>
+            </a:effectLst>
+          </p:spPr>
+          <p:style>
+            <a:lnRef idx="0">
+              <a:scrgbClr r="0" g="0" b="0"/>
+            </a:lnRef>
+            <a:fillRef idx="0">
+              <a:scrgbClr r="0" g="0" b="0"/>
+            </a:fillRef>
+            <a:effectRef idx="0">
+              <a:scrgbClr r="0" g="0" b="0"/>
+            </a:effectRef>
+            <a:fontRef idx="minor">
+              <a:schemeClr val="lt1"/>
+            </a:fontRef>
+          </p:style>
+          <p:txBody>
+            <a:bodyPr rtlCol="0" anchor="ctr"/>
+            <a:lstStyle/>
+            <a:p>
+              <a:pPr algn="ctr"/>
+              <a:r>
+                <a:rPr lang="en-GB" dirty="0"/>
+                <a:t>Choose the best antenna for the communication</a:t>
+              </a:r>
+            </a:p>
+          </p:txBody>
+        </p:sp>
+        <p:cxnSp>
+          <p:nvCxnSpPr>
+            <p:cNvPr id="7" name="Connecteur droit avec flèche 6">
+              <a:extLst>
+                <a:ext uri="{FF2B5EF4-FFF2-40B4-BE49-F238E27FC236}">
+                  <a16:creationId xmlns:a16="http://schemas.microsoft.com/office/drawing/2014/main" id="{B5E060C0-DB48-D0F1-14C6-785C98E2CCBD}"/>
+                </a:ext>
+              </a:extLst>
+            </p:cNvPr>
+            <p:cNvCxnSpPr>
+              <a:stCxn id="3" idx="2"/>
+              <a:endCxn id="4" idx="0"/>
+            </p:cNvCxnSpPr>
+            <p:nvPr/>
+          </p:nvCxnSpPr>
+          <p:spPr>
+            <a:xfrm>
+              <a:off x="4309730" y="2850894"/>
+              <a:ext cx="0" cy="424277"/>
+            </a:xfrm>
+            <a:prstGeom prst="straightConnector1">
+              <a:avLst/>
+            </a:prstGeom>
+            <a:ln>
+              <a:tailEnd type="triangle"/>
+            </a:ln>
+          </p:spPr>
+          <p:style>
+            <a:lnRef idx="2">
+              <a:schemeClr val="accent1"/>
+            </a:lnRef>
+            <a:fillRef idx="0">
+              <a:schemeClr val="accent1"/>
+            </a:fillRef>
+            <a:effectRef idx="1">
+              <a:schemeClr val="accent1"/>
+            </a:effectRef>
+            <a:fontRef idx="minor">
+              <a:schemeClr val="tx1"/>
+            </a:fontRef>
+          </p:style>
+        </p:cxnSp>
+        <p:sp>
+          <p:nvSpPr>
+            <p:cNvPr id="12" name="Rectangle 11">
+              <a:extLst>
+                <a:ext uri="{FF2B5EF4-FFF2-40B4-BE49-F238E27FC236}">
+                  <a16:creationId xmlns:a16="http://schemas.microsoft.com/office/drawing/2014/main" id="{1854A901-D387-26AA-6ABF-A18A7EFBD095}"/>
+                </a:ext>
+              </a:extLst>
+            </p:cNvPr>
+            <p:cNvSpPr/>
+            <p:nvPr/>
+          </p:nvSpPr>
+          <p:spPr>
+            <a:xfrm>
+              <a:off x="4567406" y="4621983"/>
+              <a:ext cx="2580774" cy="935363"/>
+            </a:xfrm>
+            <a:prstGeom prst="rect">
+              <a:avLst/>
+            </a:prstGeom>
+            <a:solidFill>
+              <a:srgbClr val="4F81BD"/>
+            </a:solidFill>
+            <a:ln>
+              <a:solidFill>
+                <a:schemeClr val="accent1">
+                  <a:lumMod val="75000"/>
+                </a:schemeClr>
+              </a:solidFill>
+            </a:ln>
+            <a:effectLst>
+              <a:outerShdw blurRad="50800" dist="38100" dir="5400000" algn="t" rotWithShape="0">
+                <a:prstClr val="black">
+                  <a:alpha val="40000"/>
+                </a:prstClr>
+              </a:outerShdw>
+            </a:effectLst>
+          </p:spPr>
+          <p:style>
+            <a:lnRef idx="0">
+              <a:scrgbClr r="0" g="0" b="0"/>
+            </a:lnRef>
+            <a:fillRef idx="0">
+              <a:scrgbClr r="0" g="0" b="0"/>
+            </a:fillRef>
+            <a:effectRef idx="0">
+              <a:scrgbClr r="0" g="0" b="0"/>
+            </a:effectRef>
+            <a:fontRef idx="minor">
+              <a:schemeClr val="lt1"/>
+            </a:fontRef>
+          </p:style>
+          <p:txBody>
+            <a:bodyPr rtlCol="0" anchor="ctr"/>
+            <a:lstStyle/>
+            <a:p>
+              <a:pPr algn="ctr"/>
+              <a:r>
+                <a:rPr lang="en-GB" dirty="0"/>
+                <a:t>Determine possible dead zones</a:t>
+              </a:r>
+            </a:p>
+          </p:txBody>
+        </p:sp>
+        <p:sp>
+          <p:nvSpPr>
+            <p:cNvPr id="13" name="ZoneTexte 12">
+              <a:extLst>
+                <a:ext uri="{FF2B5EF4-FFF2-40B4-BE49-F238E27FC236}">
+                  <a16:creationId xmlns:a16="http://schemas.microsoft.com/office/drawing/2014/main" id="{11F2AC21-030D-8307-E164-518D1285916C}"/>
+                </a:ext>
+              </a:extLst>
+            </p:cNvPr>
+            <p:cNvSpPr txBox="1"/>
+            <p:nvPr/>
+          </p:nvSpPr>
+          <p:spPr>
+            <a:xfrm>
+              <a:off x="4301709" y="2909143"/>
+              <a:ext cx="950494" cy="307777"/>
+            </a:xfrm>
+            <a:prstGeom prst="rect">
+              <a:avLst/>
+            </a:prstGeom>
+            <a:noFill/>
+          </p:spPr>
+          <p:txBody>
+            <a:bodyPr wrap="square" rtlCol="0">
+              <a:spAutoFit/>
+            </a:bodyPr>
+            <a:lstStyle/>
+            <a:p>
+              <a:r>
+                <a:rPr lang="en-GB" sz="1400" i="1" dirty="0"/>
+                <a:t>Data</a:t>
+              </a:r>
+            </a:p>
+          </p:txBody>
+        </p:sp>
+        <p:cxnSp>
+          <p:nvCxnSpPr>
+            <p:cNvPr id="15" name="Connecteur : en angle 14">
+              <a:extLst>
+                <a:ext uri="{FF2B5EF4-FFF2-40B4-BE49-F238E27FC236}">
+                  <a16:creationId xmlns:a16="http://schemas.microsoft.com/office/drawing/2014/main" id="{EEFF6AE3-875A-6E29-C22B-EA719F9693AB}"/>
+                </a:ext>
+              </a:extLst>
+            </p:cNvPr>
+            <p:cNvCxnSpPr>
+              <a:stCxn id="4" idx="2"/>
+              <a:endCxn id="5" idx="0"/>
+            </p:cNvCxnSpPr>
+            <p:nvPr/>
+          </p:nvCxnSpPr>
+          <p:spPr>
+            <a:xfrm rot="5400000">
+              <a:off x="3057805" y="3370059"/>
+              <a:ext cx="795366" cy="1708484"/>
+            </a:xfrm>
+            <a:prstGeom prst="bentConnector3">
+              <a:avLst/>
+            </a:prstGeom>
+            <a:ln>
+              <a:tailEnd type="triangle"/>
+            </a:ln>
+          </p:spPr>
+          <p:style>
+            <a:lnRef idx="2">
+              <a:schemeClr val="accent1"/>
+            </a:lnRef>
+            <a:fillRef idx="0">
+              <a:schemeClr val="accent1"/>
+            </a:fillRef>
+            <a:effectRef idx="1">
+              <a:schemeClr val="accent1"/>
+            </a:effectRef>
+            <a:fontRef idx="minor">
+              <a:schemeClr val="tx1"/>
+            </a:fontRef>
+          </p:style>
+        </p:cxnSp>
+        <p:cxnSp>
+          <p:nvCxnSpPr>
+            <p:cNvPr id="16" name="Connecteur : en angle 15">
+              <a:extLst>
+                <a:ext uri="{FF2B5EF4-FFF2-40B4-BE49-F238E27FC236}">
+                  <a16:creationId xmlns:a16="http://schemas.microsoft.com/office/drawing/2014/main" id="{80206417-7034-B1D9-622F-D782CD430249}"/>
+                </a:ext>
+              </a:extLst>
+            </p:cNvPr>
+            <p:cNvCxnSpPr>
+              <a:cxnSpLocks/>
+              <a:stCxn id="4" idx="2"/>
+              <a:endCxn id="12" idx="0"/>
+            </p:cNvCxnSpPr>
+            <p:nvPr/>
+          </p:nvCxnSpPr>
+          <p:spPr>
+            <a:xfrm rot="16200000" flipH="1">
+              <a:off x="4686079" y="3450268"/>
+              <a:ext cx="795365" cy="1548063"/>
+            </a:xfrm>
+            <a:prstGeom prst="bentConnector3">
+              <a:avLst>
+                <a:gd name="adj1" fmla="val 50000"/>
+              </a:avLst>
+            </a:prstGeom>
+            <a:ln>
+              <a:tailEnd type="triangle"/>
+            </a:ln>
+          </p:spPr>
+          <p:style>
+            <a:lnRef idx="2">
+              <a:schemeClr val="accent1"/>
+            </a:lnRef>
+            <a:fillRef idx="0">
+              <a:schemeClr val="accent1"/>
+            </a:fillRef>
+            <a:effectRef idx="1">
+              <a:schemeClr val="accent1"/>
+            </a:effectRef>
+            <a:fontRef idx="minor">
+              <a:schemeClr val="tx1"/>
+            </a:fontRef>
+          </p:style>
+        </p:cxnSp>
+        <p:cxnSp>
+          <p:nvCxnSpPr>
+            <p:cNvPr id="19" name="Connecteur : en angle 18">
+              <a:extLst>
+                <a:ext uri="{FF2B5EF4-FFF2-40B4-BE49-F238E27FC236}">
+                  <a16:creationId xmlns:a16="http://schemas.microsoft.com/office/drawing/2014/main" id="{CA580CF6-F814-FF7D-7687-663E2A5898D5}"/>
+                </a:ext>
+              </a:extLst>
+            </p:cNvPr>
+            <p:cNvCxnSpPr>
+              <a:cxnSpLocks/>
+              <a:stCxn id="12" idx="3"/>
+              <a:endCxn id="6" idx="3"/>
+            </p:cNvCxnSpPr>
+            <p:nvPr/>
+          </p:nvCxnSpPr>
+          <p:spPr>
+            <a:xfrm flipH="1" flipV="1">
+              <a:off x="5467769" y="1867608"/>
+              <a:ext cx="1680411" cy="3222057"/>
+            </a:xfrm>
+            <a:prstGeom prst="bentConnector3">
+              <a:avLst>
+                <a:gd name="adj1" fmla="val -13604"/>
+              </a:avLst>
+            </a:prstGeom>
+            <a:ln>
+              <a:tailEnd type="triangle"/>
+            </a:ln>
+          </p:spPr>
+          <p:style>
+            <a:lnRef idx="2">
+              <a:schemeClr val="accent1"/>
+            </a:lnRef>
+            <a:fillRef idx="0">
+              <a:schemeClr val="accent1"/>
+            </a:fillRef>
+            <a:effectRef idx="1">
+              <a:schemeClr val="accent1"/>
+            </a:effectRef>
+            <a:fontRef idx="minor">
+              <a:schemeClr val="tx1"/>
+            </a:fontRef>
+          </p:style>
+        </p:cxnSp>
+        <p:sp>
+          <p:nvSpPr>
+            <p:cNvPr id="22" name="ZoneTexte 21">
+              <a:extLst>
+                <a:ext uri="{FF2B5EF4-FFF2-40B4-BE49-F238E27FC236}">
+                  <a16:creationId xmlns:a16="http://schemas.microsoft.com/office/drawing/2014/main" id="{FE23A83A-B439-E77B-B937-7FC05BED7AAC}"/>
+                </a:ext>
+              </a:extLst>
+            </p:cNvPr>
+            <p:cNvSpPr txBox="1"/>
+            <p:nvPr/>
+          </p:nvSpPr>
+          <p:spPr>
+            <a:xfrm>
+              <a:off x="4309730" y="3887038"/>
+              <a:ext cx="2642936" cy="307777"/>
+            </a:xfrm>
+            <a:prstGeom prst="rect">
+              <a:avLst/>
+            </a:prstGeom>
+            <a:noFill/>
+          </p:spPr>
+          <p:txBody>
+            <a:bodyPr wrap="square" rtlCol="0">
+              <a:spAutoFit/>
+            </a:bodyPr>
+            <a:lstStyle/>
+            <a:p>
+              <a:r>
+                <a:rPr lang="en-GB" sz="1400" i="1" dirty="0"/>
+                <a:t>Link budget of each antenna</a:t>
+              </a:r>
+            </a:p>
+          </p:txBody>
+        </p:sp>
+        <p:sp>
+          <p:nvSpPr>
+            <p:cNvPr id="23" name="ZoneTexte 22">
+              <a:extLst>
+                <a:ext uri="{FF2B5EF4-FFF2-40B4-BE49-F238E27FC236}">
+                  <a16:creationId xmlns:a16="http://schemas.microsoft.com/office/drawing/2014/main" id="{3232C4FE-169D-135C-F209-4283CCADD927}"/>
+                </a:ext>
+              </a:extLst>
+            </p:cNvPr>
+            <p:cNvSpPr txBox="1"/>
+            <p:nvPr/>
+          </p:nvSpPr>
+          <p:spPr>
+            <a:xfrm rot="5400000">
+              <a:off x="6238276" y="3818854"/>
+              <a:ext cx="2642936" cy="307777"/>
+            </a:xfrm>
+            <a:prstGeom prst="rect">
+              <a:avLst/>
+            </a:prstGeom>
+            <a:noFill/>
+          </p:spPr>
+          <p:txBody>
+            <a:bodyPr wrap="square" rtlCol="0">
+              <a:spAutoFit/>
+            </a:bodyPr>
+            <a:lstStyle/>
+            <a:p>
+              <a:r>
+                <a:rPr lang="en-GB" sz="1400" i="1" dirty="0"/>
+                <a:t>Zones to avoid flying in</a:t>
+              </a:r>
+            </a:p>
+          </p:txBody>
+        </p:sp>
+        <p:sp>
+          <p:nvSpPr>
+            <p:cNvPr id="6" name="Rectangle 5">
+              <a:extLst>
+                <a:ext uri="{FF2B5EF4-FFF2-40B4-BE49-F238E27FC236}">
+                  <a16:creationId xmlns:a16="http://schemas.microsoft.com/office/drawing/2014/main" id="{3CA5ECCF-82F7-7128-2A73-C95DCA734F3E}"/>
+                </a:ext>
+              </a:extLst>
+            </p:cNvPr>
+            <p:cNvSpPr/>
+            <p:nvPr/>
+          </p:nvSpPr>
+          <p:spPr>
+            <a:xfrm>
+              <a:off x="3151691" y="1636775"/>
+              <a:ext cx="2316078" cy="461665"/>
+            </a:xfrm>
+            <a:prstGeom prst="rect">
+              <a:avLst/>
+            </a:prstGeom>
+            <a:solidFill>
+              <a:srgbClr val="4F81BD"/>
+            </a:solidFill>
+            <a:ln>
+              <a:solidFill>
+                <a:schemeClr val="accent1">
+                  <a:lumMod val="75000"/>
+                </a:schemeClr>
+              </a:solidFill>
+            </a:ln>
+            <a:effectLst>
+              <a:outerShdw blurRad="50800" dist="38100" dir="5400000" algn="t" rotWithShape="0">
+                <a:prstClr val="black">
+                  <a:alpha val="40000"/>
+                </a:prstClr>
+              </a:outerShdw>
+            </a:effectLst>
+          </p:spPr>
+          <p:style>
+            <a:lnRef idx="0">
+              <a:scrgbClr r="0" g="0" b="0"/>
+            </a:lnRef>
+            <a:fillRef idx="0">
+              <a:scrgbClr r="0" g="0" b="0"/>
+            </a:fillRef>
+            <a:effectRef idx="0">
+              <a:scrgbClr r="0" g="0" b="0"/>
+            </a:effectRef>
+            <a:fontRef idx="minor">
+              <a:schemeClr val="lt1"/>
+            </a:fontRef>
+          </p:style>
+          <p:txBody>
+            <a:bodyPr rtlCol="0" anchor="ctr"/>
+            <a:lstStyle/>
+            <a:p>
+              <a:pPr algn="ctr"/>
+              <a:r>
+                <a:rPr lang="en-GB" dirty="0"/>
+                <a:t>Trajectory Planner</a:t>
+              </a:r>
+            </a:p>
+          </p:txBody>
+        </p:sp>
+        <p:cxnSp>
+          <p:nvCxnSpPr>
+            <p:cNvPr id="9" name="Connecteur droit avec flèche 8">
+              <a:extLst>
+                <a:ext uri="{FF2B5EF4-FFF2-40B4-BE49-F238E27FC236}">
+                  <a16:creationId xmlns:a16="http://schemas.microsoft.com/office/drawing/2014/main" id="{3E65FFE2-B986-FFC2-BDD4-9F00A82B71E8}"/>
+                </a:ext>
+              </a:extLst>
+            </p:cNvPr>
+            <p:cNvCxnSpPr>
+              <a:cxnSpLocks/>
+              <a:stCxn id="6" idx="2"/>
+              <a:endCxn id="3" idx="0"/>
+            </p:cNvCxnSpPr>
+            <p:nvPr/>
+          </p:nvCxnSpPr>
+          <p:spPr>
+            <a:xfrm>
+              <a:off x="4309730" y="2098440"/>
+              <a:ext cx="0" cy="290789"/>
+            </a:xfrm>
+            <a:prstGeom prst="straightConnector1">
+              <a:avLst/>
+            </a:prstGeom>
+            <a:ln>
+              <a:tailEnd type="triangle"/>
+            </a:ln>
+          </p:spPr>
+          <p:style>
+            <a:lnRef idx="2">
+              <a:schemeClr val="accent1"/>
+            </a:lnRef>
+            <a:fillRef idx="0">
+              <a:schemeClr val="accent1"/>
+            </a:fillRef>
+            <a:effectRef idx="1">
+              <a:schemeClr val="accent1"/>
+            </a:effectRef>
+            <a:fontRef idx="minor">
+              <a:schemeClr val="tx1"/>
+            </a:fontRef>
+          </p:style>
+        </p:cxnSp>
+      </p:grpSp>
+    </p:spTree>
+    <p:extLst>
+      <p:ext uri="{BB962C8B-B14F-4D97-AF65-F5344CB8AC3E}">
+        <p14:creationId xmlns:p14="http://schemas.microsoft.com/office/powerpoint/2010/main" val="4224504974"/>
+      </p:ext>
+    </p:extLst>
+  </p:cSld>
+  <p:clrMapOvr>
+    <a:masterClrMapping/>
+  </p:clrMapOvr>
+</p:sld>
+</file>
+
+<file path=ppt/slides/slide11.xml><?xml version="1.0" encoding="utf-8"?>
+<p:sld xmlns:a="http://schemas.openxmlformats.org/drawingml/2006/main" xmlns:r="http://schemas.openxmlformats.org/officeDocument/2006/relationships" xmlns:p="http://schemas.openxmlformats.org/presentationml/2006/main">
+  <p:cSld>
+    <p:spTree>
+      <p:nvGrpSpPr>
+        <p:cNvPr id="1" name=""/>
+        <p:cNvGrpSpPr/>
+        <p:nvPr/>
+      </p:nvGrpSpPr>
+      <p:grpSpPr>
+        <a:xfrm>
+          <a:off x="0" y="0"/>
+          <a:ext cx="0" cy="0"/>
+          <a:chOff x="0" y="0"/>
+          <a:chExt cx="0" cy="0"/>
+        </a:xfrm>
+      </p:grpSpPr>
+      <p:sp>
+        <p:nvSpPr>
+          <p:cNvPr id="2" name="TextBox 1"/>
+          <p:cNvSpPr txBox="1"/>
+          <p:nvPr/>
+        </p:nvSpPr>
         <p:spPr>
           <a:xfrm>
-            <a:off x="397042" y="1856107"/>
-            <a:ext cx="5600700" cy="3585125"/>
+            <a:off x="1374940" y="854058"/>
+            <a:ext cx="7548805" cy="461665"/>
           </a:xfrm>
           <a:prstGeom prst="rect">
             <a:avLst/>
           </a:prstGeom>
+          <a:noFill/>
         </p:spPr>
-      </p:pic>
+        <p:txBody>
+          <a:bodyPr wrap="square" rtlCol="0">
+            <a:spAutoFit/>
+          </a:bodyPr>
+          <a:lstStyle/>
+          <a:p>
+            <a:pPr algn="ctr"/>
+            <a:r>
+              <a:rPr lang="en-GB" sz="2400" b="1" dirty="0">
+                <a:latin typeface="Arial" pitchFamily="34" charset="0"/>
+                <a:cs typeface="Arial" pitchFamily="34" charset="0"/>
+              </a:rPr>
+              <a:t>Result to date</a:t>
+            </a:r>
+          </a:p>
+        </p:txBody>
+      </p:sp>
       <p:sp>
         <p:nvSpPr>
           <p:cNvPr id="5" name="ZoneTexte 4">
@@ -2749,7 +4098,7 @@
             </a:pPr>
             <a:r>
               <a:rPr lang="en-GB" dirty="0"/>
-              <a:t>Control System</a:t>
+              <a:t>Trajectory Simulation</a:t>
             </a:r>
           </a:p>
           <a:p>
@@ -2837,7 +4186,7 @@
           <p:nvPr/>
         </p:nvPicPr>
         <p:blipFill>
-          <a:blip r:embed="rId3">
+          <a:blip r:embed="rId2">
             <a:extLst>
               <a:ext uri="{28A0092B-C50C-407E-A947-70E740481C1C}">
                 <a14:useLocalDpi xmlns:a14="http://schemas.microsoft.com/office/drawing/2010/main" val="0"/>
@@ -2869,6 +4218,36 @@
           </a:extLst>
         </p:spPr>
       </p:pic>
+      <p:pic>
+        <p:nvPicPr>
+          <p:cNvPr id="8" name="Image 7">
+            <a:extLst>
+              <a:ext uri="{FF2B5EF4-FFF2-40B4-BE49-F238E27FC236}">
+                <a16:creationId xmlns:a16="http://schemas.microsoft.com/office/drawing/2014/main" id="{7EFA3349-F08D-ABE5-8C8E-0E9E885B5D46}"/>
+              </a:ext>
+            </a:extLst>
+          </p:cNvPr>
+          <p:cNvPicPr>
+            <a:picLocks noChangeAspect="1"/>
+          </p:cNvPicPr>
+          <p:nvPr/>
+        </p:nvPicPr>
+        <p:blipFill>
+          <a:blip r:embed="rId3"/>
+          <a:stretch>
+            <a:fillRect/>
+          </a:stretch>
+        </p:blipFill>
+        <p:spPr>
+          <a:xfrm>
+            <a:off x="637674" y="1856107"/>
+            <a:ext cx="5193422" cy="3756625"/>
+          </a:xfrm>
+          <a:prstGeom prst="rect">
+            <a:avLst/>
+          </a:prstGeom>
+        </p:spPr>
+      </p:pic>
     </p:spTree>
     <p:extLst>
       <p:ext uri="{BB962C8B-B14F-4D97-AF65-F5344CB8AC3E}">
@@ -2882,7 +4261,7 @@
 </p:sld>
 </file>
 
-<file path=ppt/slides/slide11.xml><?xml version="1.0" encoding="utf-8"?>
+<file path=ppt/slides/slide12.xml><?xml version="1.0" encoding="utf-8"?>
 <p:sld xmlns:a="http://schemas.openxmlformats.org/drawingml/2006/main" xmlns:r="http://schemas.openxmlformats.org/officeDocument/2006/relationships" xmlns:p="http://schemas.openxmlformats.org/presentationml/2006/main">
   <p:cSld>
     <p:spTree>
@@ -3023,7 +4402,7 @@
         <p:spPr>
           <a:xfrm>
             <a:off x="354932" y="2490537"/>
-            <a:ext cx="2989847" cy="923330"/>
+            <a:ext cx="3525252" cy="1754326"/>
           </a:xfrm>
           <a:prstGeom prst="rect">
             <a:avLst/>
@@ -3038,11 +4417,14 @@
           <a:p>
             <a:r>
               <a:rPr lang="en-GB" dirty="0"/>
-              <a:t>Antenna radiation pattern </a:t>
-            </a:r>
-          </a:p>
-          <a:p>
-            <a:pPr marL="285750" indent="-285750">
+              <a:t>Model of the antenna radiation pattern:</a:t>
+            </a:r>
+          </a:p>
+          <a:p>
+            <a:endParaRPr lang="en-GB" dirty="0"/>
+          </a:p>
+          <a:p>
+            <a:pPr marL="742950" lvl="1" indent="-285750">
               <a:buFont typeface="Arial" panose="020B0604020202020204" pitchFamily="34" charset="0"/>
               <a:buChar char="•"/>
             </a:pPr>
@@ -3052,7 +4434,14 @@
             </a:r>
           </a:p>
           <a:p>
-            <a:pPr marL="285750" indent="-285750">
+            <a:pPr marL="742950" lvl="1" indent="-285750">
+              <a:buFont typeface="Arial" panose="020B0604020202020204" pitchFamily="34" charset="0"/>
+              <a:buChar char="•"/>
+            </a:pPr>
+            <a:endParaRPr lang="en-GB" dirty="0"/>
+          </a:p>
+          <a:p>
+            <a:pPr marL="742950" lvl="1" indent="-285750">
               <a:buFont typeface="Arial" panose="020B0604020202020204" pitchFamily="34" charset="0"/>
               <a:buChar char="•"/>
             </a:pPr>
@@ -3076,7 +4465,7 @@
 </p:sld>
 </file>
 
-<file path=ppt/slides/slide12.xml><?xml version="1.0" encoding="utf-8"?>
+<file path=ppt/slides/slide13.xml><?xml version="1.0" encoding="utf-8"?>
 <p:sld xmlns:a="http://schemas.openxmlformats.org/drawingml/2006/main" xmlns:r="http://schemas.openxmlformats.org/officeDocument/2006/relationships" xmlns:p="http://schemas.openxmlformats.org/presentationml/2006/main">
   <p:cSld>
     <p:spTree>
@@ -3141,7 +4530,7 @@
           <p:nvPr>
             <p:extLst>
               <p:ext uri="{D42A27DB-BD31-4B8C-83A1-F6EECF244321}">
-                <p14:modId xmlns:p14="http://schemas.microsoft.com/office/powerpoint/2010/main" val="2451445841"/>
+                <p14:modId xmlns:p14="http://schemas.microsoft.com/office/powerpoint/2010/main" val="2680443362"/>
               </p:ext>
             </p:extLst>
           </p:nvPr>
@@ -3459,7 +4848,10 @@
                     <a:lstStyle/>
                     <a:p>
                       <a:pPr algn="ctr"/>
-                      <a:endParaRPr lang="en-GB" sz="1400"/>
+                      <a:r>
+                        <a:rPr lang="en-GB" sz="1400" dirty="0"/>
+                        <a:t>Seek for some experts by asking to the supervisors</a:t>
+                      </a:r>
                     </a:p>
                   </a:txBody>
                   <a:tcPr anchor="ctr"/>
@@ -3660,99 +5052,6 @@
     <p:extLst>
       <p:ext uri="{BB962C8B-B14F-4D97-AF65-F5344CB8AC3E}">
         <p14:creationId xmlns:p14="http://schemas.microsoft.com/office/powerpoint/2010/main" val="1060754183"/>
-      </p:ext>
-    </p:extLst>
-  </p:cSld>
-  <p:clrMapOvr>
-    <a:masterClrMapping/>
-  </p:clrMapOvr>
-</p:sld>
-</file>
-
-<file path=ppt/slides/slide13.xml><?xml version="1.0" encoding="utf-8"?>
-<p:sld xmlns:a="http://schemas.openxmlformats.org/drawingml/2006/main" xmlns:r="http://schemas.openxmlformats.org/officeDocument/2006/relationships" xmlns:p="http://schemas.openxmlformats.org/presentationml/2006/main">
-  <p:cSld>
-    <p:spTree>
-      <p:nvGrpSpPr>
-        <p:cNvPr id="1" name=""/>
-        <p:cNvGrpSpPr/>
-        <p:nvPr/>
-      </p:nvGrpSpPr>
-      <p:grpSpPr>
-        <a:xfrm>
-          <a:off x="0" y="0"/>
-          <a:ext cx="0" cy="0"/>
-          <a:chOff x="0" y="0"/>
-          <a:chExt cx="0" cy="0"/>
-        </a:xfrm>
-      </p:grpSpPr>
-      <p:sp>
-        <p:nvSpPr>
-          <p:cNvPr id="2" name="TextBox 1"/>
-          <p:cNvSpPr txBox="1"/>
-          <p:nvPr/>
-        </p:nvSpPr>
-        <p:spPr>
-          <a:xfrm>
-            <a:off x="1374940" y="854058"/>
-            <a:ext cx="7548805" cy="461665"/>
-          </a:xfrm>
-          <a:prstGeom prst="rect">
-            <a:avLst/>
-          </a:prstGeom>
-          <a:noFill/>
-        </p:spPr>
-        <p:txBody>
-          <a:bodyPr wrap="square" rtlCol="0">
-            <a:spAutoFit/>
-          </a:bodyPr>
-          <a:lstStyle/>
-          <a:p>
-            <a:pPr algn="ctr"/>
-            <a:r>
-              <a:rPr lang="en-GB" sz="2400" b="1" dirty="0">
-                <a:latin typeface="Arial" pitchFamily="34" charset="0"/>
-                <a:cs typeface="Arial" pitchFamily="34" charset="0"/>
-              </a:rPr>
-              <a:t>Gantt chart</a:t>
-            </a:r>
-          </a:p>
-        </p:txBody>
-      </p:sp>
-      <p:pic>
-        <p:nvPicPr>
-          <p:cNvPr id="6" name="Image 5">
-            <a:extLst>
-              <a:ext uri="{FF2B5EF4-FFF2-40B4-BE49-F238E27FC236}">
-                <a16:creationId xmlns:a16="http://schemas.microsoft.com/office/drawing/2014/main" id="{6B1ECA84-1931-3EEA-9125-9BE766C6C263}"/>
-              </a:ext>
-            </a:extLst>
-          </p:cNvPr>
-          <p:cNvPicPr>
-            <a:picLocks noChangeAspect="1"/>
-          </p:cNvPicPr>
-          <p:nvPr/>
-        </p:nvPicPr>
-        <p:blipFill>
-          <a:blip r:embed="rId2"/>
-          <a:stretch>
-            <a:fillRect/>
-          </a:stretch>
-        </p:blipFill>
-        <p:spPr>
-          <a:xfrm>
-            <a:off x="0" y="2016514"/>
-            <a:ext cx="9144000" cy="2415897"/>
-          </a:xfrm>
-          <a:prstGeom prst="rect">
-            <a:avLst/>
-          </a:prstGeom>
-        </p:spPr>
-      </p:pic>
-    </p:spTree>
-    <p:extLst>
-      <p:ext uri="{BB962C8B-B14F-4D97-AF65-F5344CB8AC3E}">
-        <p14:creationId xmlns:p14="http://schemas.microsoft.com/office/powerpoint/2010/main" val="3305540782"/>
       </p:ext>
     </p:extLst>
   </p:cSld>
@@ -3807,7 +5106,308 @@
                 <a:latin typeface="Arial" pitchFamily="34" charset="0"/>
                 <a:cs typeface="Arial" pitchFamily="34" charset="0"/>
               </a:rPr>
+              <a:t>Gantt chart</a:t>
+            </a:r>
+          </a:p>
+        </p:txBody>
+      </p:sp>
+      <p:pic>
+        <p:nvPicPr>
+          <p:cNvPr id="4" name="Image 3">
+            <a:extLst>
+              <a:ext uri="{FF2B5EF4-FFF2-40B4-BE49-F238E27FC236}">
+                <a16:creationId xmlns:a16="http://schemas.microsoft.com/office/drawing/2014/main" id="{BA91767E-9AC9-8ED5-DCE8-DFF458CEDE26}"/>
+              </a:ext>
+            </a:extLst>
+          </p:cNvPr>
+          <p:cNvPicPr>
+            <a:picLocks noChangeAspect="1"/>
+          </p:cNvPicPr>
+          <p:nvPr/>
+        </p:nvPicPr>
+        <p:blipFill rotWithShape="1">
+          <a:blip r:embed="rId2"/>
+          <a:srcRect l="-1" r="27633"/>
+          <a:stretch/>
+        </p:blipFill>
+        <p:spPr>
+          <a:xfrm>
+            <a:off x="224028" y="1755648"/>
+            <a:ext cx="8695944" cy="4147529"/>
+          </a:xfrm>
+          <a:prstGeom prst="rect">
+            <a:avLst/>
+          </a:prstGeom>
+        </p:spPr>
+      </p:pic>
+    </p:spTree>
+    <p:extLst>
+      <p:ext uri="{BB962C8B-B14F-4D97-AF65-F5344CB8AC3E}">
+        <p14:creationId xmlns:p14="http://schemas.microsoft.com/office/powerpoint/2010/main" val="3305540782"/>
+      </p:ext>
+    </p:extLst>
+  </p:cSld>
+  <p:clrMapOvr>
+    <a:masterClrMapping/>
+  </p:clrMapOvr>
+</p:sld>
+</file>
+
+<file path=ppt/slides/slide15.xml><?xml version="1.0" encoding="utf-8"?>
+<p:sld xmlns:a="http://schemas.openxmlformats.org/drawingml/2006/main" xmlns:r="http://schemas.openxmlformats.org/officeDocument/2006/relationships" xmlns:p="http://schemas.openxmlformats.org/presentationml/2006/main">
+  <p:cSld>
+    <p:spTree>
+      <p:nvGrpSpPr>
+        <p:cNvPr id="1" name=""/>
+        <p:cNvGrpSpPr/>
+        <p:nvPr/>
+      </p:nvGrpSpPr>
+      <p:grpSpPr>
+        <a:xfrm>
+          <a:off x="0" y="0"/>
+          <a:ext cx="0" cy="0"/>
+          <a:chOff x="0" y="0"/>
+          <a:chExt cx="0" cy="0"/>
+        </a:xfrm>
+      </p:grpSpPr>
+      <p:sp>
+        <p:nvSpPr>
+          <p:cNvPr id="2" name="TextBox 1"/>
+          <p:cNvSpPr txBox="1"/>
+          <p:nvPr/>
+        </p:nvSpPr>
+        <p:spPr>
+          <a:xfrm>
+            <a:off x="1374940" y="854058"/>
+            <a:ext cx="7548805" cy="461665"/>
+          </a:xfrm>
+          <a:prstGeom prst="rect">
+            <a:avLst/>
+          </a:prstGeom>
+          <a:noFill/>
+        </p:spPr>
+        <p:txBody>
+          <a:bodyPr wrap="square" rtlCol="0">
+            <a:spAutoFit/>
+          </a:bodyPr>
+          <a:lstStyle/>
+          <a:p>
+            <a:pPr algn="ctr"/>
+            <a:r>
+              <a:rPr lang="en-GB" sz="2400" b="1" dirty="0">
+                <a:latin typeface="Arial" pitchFamily="34" charset="0"/>
+                <a:cs typeface="Arial" pitchFamily="34" charset="0"/>
+              </a:rPr>
+              <a:t>Gantt chart</a:t>
+            </a:r>
+          </a:p>
+        </p:txBody>
+      </p:sp>
+      <p:pic>
+        <p:nvPicPr>
+          <p:cNvPr id="9" name="Image 8">
+            <a:extLst>
+              <a:ext uri="{FF2B5EF4-FFF2-40B4-BE49-F238E27FC236}">
+                <a16:creationId xmlns:a16="http://schemas.microsoft.com/office/drawing/2014/main" id="{7EE05CA5-6C3C-FD00-387D-CC6C90692578}"/>
+              </a:ext>
+            </a:extLst>
+          </p:cNvPr>
+          <p:cNvPicPr>
+            <a:picLocks noChangeAspect="1"/>
+          </p:cNvPicPr>
+          <p:nvPr/>
+        </p:nvPicPr>
+        <p:blipFill>
+          <a:blip r:embed="rId2"/>
+          <a:stretch>
+            <a:fillRect/>
+          </a:stretch>
+        </p:blipFill>
+        <p:spPr>
+          <a:xfrm>
+            <a:off x="1368924" y="1464991"/>
+            <a:ext cx="6749716" cy="4520904"/>
+          </a:xfrm>
+          <a:prstGeom prst="rect">
+            <a:avLst/>
+          </a:prstGeom>
+        </p:spPr>
+      </p:pic>
+    </p:spTree>
+    <p:extLst>
+      <p:ext uri="{BB962C8B-B14F-4D97-AF65-F5344CB8AC3E}">
+        <p14:creationId xmlns:p14="http://schemas.microsoft.com/office/powerpoint/2010/main" val="3118411395"/>
+      </p:ext>
+    </p:extLst>
+  </p:cSld>
+  <p:clrMapOvr>
+    <a:masterClrMapping/>
+  </p:clrMapOvr>
+</p:sld>
+</file>
+
+<file path=ppt/slides/slide16.xml><?xml version="1.0" encoding="utf-8"?>
+<p:sld xmlns:a="http://schemas.openxmlformats.org/drawingml/2006/main" xmlns:r="http://schemas.openxmlformats.org/officeDocument/2006/relationships" xmlns:p="http://schemas.openxmlformats.org/presentationml/2006/main">
+  <p:cSld>
+    <p:spTree>
+      <p:nvGrpSpPr>
+        <p:cNvPr id="1" name=""/>
+        <p:cNvGrpSpPr/>
+        <p:nvPr/>
+      </p:nvGrpSpPr>
+      <p:grpSpPr>
+        <a:xfrm>
+          <a:off x="0" y="0"/>
+          <a:ext cx="0" cy="0"/>
+          <a:chOff x="0" y="0"/>
+          <a:chExt cx="0" cy="0"/>
+        </a:xfrm>
+      </p:grpSpPr>
+      <p:pic>
+        <p:nvPicPr>
+          <p:cNvPr id="3076" name="Picture 4" descr="Upcoming Conference to Focus on Aviation Communication and Safety |  Embry-Riddle Aeronautical University - Newsroom">
+            <a:extLst>
+              <a:ext uri="{FF2B5EF4-FFF2-40B4-BE49-F238E27FC236}">
+                <a16:creationId xmlns:a16="http://schemas.microsoft.com/office/drawing/2014/main" id="{3BD9C1F4-9017-D9BA-5238-788F61013A1E}"/>
+              </a:ext>
+            </a:extLst>
+          </p:cNvPr>
+          <p:cNvPicPr>
+            <a:picLocks noChangeAspect="1" noChangeArrowheads="1"/>
+          </p:cNvPicPr>
+          <p:nvPr/>
+        </p:nvPicPr>
+        <p:blipFill>
+          <a:blip r:embed="rId3">
+            <a:extLst>
+              <a:ext uri="{28A0092B-C50C-407E-A947-70E740481C1C}">
+                <a14:useLocalDpi xmlns:a14="http://schemas.microsoft.com/office/drawing/2010/main" val="0"/>
+              </a:ext>
+            </a:extLst>
+          </a:blip>
+          <a:srcRect/>
+          <a:stretch>
+            <a:fillRect/>
+          </a:stretch>
+        </p:blipFill>
+        <p:spPr bwMode="auto">
+          <a:xfrm>
+            <a:off x="730102" y="1471668"/>
+            <a:ext cx="7683795" cy="4666305"/>
+          </a:xfrm>
+          <a:prstGeom prst="rect">
+            <a:avLst/>
+          </a:prstGeom>
+          <a:noFill/>
+          <a:extLst>
+            <a:ext uri="{909E8E84-426E-40DD-AFC4-6F175D3DCCD1}">
+              <a14:hiddenFill xmlns:a14="http://schemas.microsoft.com/office/drawing/2010/main">
+                <a:solidFill>
+                  <a:srgbClr val="FFFFFF"/>
+                </a:solidFill>
+              </a14:hiddenFill>
+            </a:ext>
+          </a:extLst>
+        </p:spPr>
+      </p:pic>
+      <p:sp>
+        <p:nvSpPr>
+          <p:cNvPr id="2" name="TextBox 1"/>
+          <p:cNvSpPr txBox="1"/>
+          <p:nvPr/>
+        </p:nvSpPr>
+        <p:spPr>
+          <a:xfrm>
+            <a:off x="1374940" y="854058"/>
+            <a:ext cx="7548805" cy="461665"/>
+          </a:xfrm>
+          <a:prstGeom prst="rect">
+            <a:avLst/>
+          </a:prstGeom>
+          <a:noFill/>
+        </p:spPr>
+        <p:txBody>
+          <a:bodyPr wrap="square" rtlCol="0">
+            <a:spAutoFit/>
+          </a:bodyPr>
+          <a:lstStyle/>
+          <a:p>
+            <a:pPr algn="ctr"/>
+            <a:r>
+              <a:rPr lang="en-GB" sz="2400" b="1" dirty="0">
+                <a:latin typeface="Arial" pitchFamily="34" charset="0"/>
+                <a:cs typeface="Arial" pitchFamily="34" charset="0"/>
+              </a:rPr>
               <a:t>Conclusion</a:t>
+            </a:r>
+          </a:p>
+        </p:txBody>
+      </p:sp>
+      <p:sp>
+        <p:nvSpPr>
+          <p:cNvPr id="3" name="ZoneTexte 2">
+            <a:extLst>
+              <a:ext uri="{FF2B5EF4-FFF2-40B4-BE49-F238E27FC236}">
+                <a16:creationId xmlns:a16="http://schemas.microsoft.com/office/drawing/2014/main" id="{159A141F-0FEC-4926-17FD-EBFBF01BA6B6}"/>
+              </a:ext>
+            </a:extLst>
+          </p:cNvPr>
+          <p:cNvSpPr txBox="1"/>
+          <p:nvPr/>
+        </p:nvSpPr>
+        <p:spPr>
+          <a:xfrm>
+            <a:off x="1009627" y="3204655"/>
+            <a:ext cx="4668160" cy="1477328"/>
+          </a:xfrm>
+          <a:prstGeom prst="rect">
+            <a:avLst/>
+          </a:prstGeom>
+          <a:noFill/>
+        </p:spPr>
+        <p:txBody>
+          <a:bodyPr wrap="square" rtlCol="0">
+            <a:spAutoFit/>
+          </a:bodyPr>
+          <a:lstStyle/>
+          <a:p>
+            <a:pPr marL="285750" indent="-285750">
+              <a:buFont typeface="Arial" panose="020B0604020202020204" pitchFamily="34" charset="0"/>
+              <a:buChar char="•"/>
+            </a:pPr>
+            <a:r>
+              <a:rPr lang="en-GB" dirty="0"/>
+              <a:t>Model in Unity </a:t>
+            </a:r>
+          </a:p>
+          <a:p>
+            <a:pPr marL="285750" indent="-285750">
+              <a:buFont typeface="Arial" panose="020B0604020202020204" pitchFamily="34" charset="0"/>
+              <a:buChar char="•"/>
+            </a:pPr>
+            <a:r>
+              <a:rPr lang="en-GB" dirty="0"/>
+              <a:t>Shadowing effect different from literature</a:t>
+            </a:r>
+          </a:p>
+          <a:p>
+            <a:pPr marL="285750" indent="-285750">
+              <a:buFont typeface="Arial" panose="020B0604020202020204" pitchFamily="34" charset="0"/>
+              <a:buChar char="•"/>
+            </a:pPr>
+            <a:r>
+              <a:rPr lang="en-GB" dirty="0"/>
+              <a:t>Not a lot of literature on air to ground communication </a:t>
+            </a:r>
+          </a:p>
+          <a:p>
+            <a:pPr marL="285750" indent="-285750">
+              <a:buFont typeface="Arial" panose="020B0604020202020204" pitchFamily="34" charset="0"/>
+              <a:buChar char="•"/>
+            </a:pPr>
+            <a:r>
+              <a:rPr lang="en-GB" dirty="0"/>
+              <a:t>Link budget could be improved</a:t>
             </a:r>
           </a:p>
         </p:txBody>
@@ -3825,7 +5425,7 @@
 </p:sld>
 </file>
 
-<file path=ppt/slides/slide15.xml><?xml version="1.0" encoding="utf-8"?>
+<file path=ppt/slides/slide17.xml><?xml version="1.0" encoding="utf-8"?>
 <p:sld xmlns:a="http://schemas.openxmlformats.org/drawingml/2006/main" xmlns:r="http://schemas.openxmlformats.org/officeDocument/2006/relationships" xmlns:p="http://schemas.openxmlformats.org/presentationml/2006/main">
   <p:cSld>
     <p:spTree>
@@ -3937,91 +5537,6 @@
       </p:sp>
       <p:sp>
         <p:nvSpPr>
-          <p:cNvPr id="6" name="ZoneTexte 5">
-            <a:extLst>
-              <a:ext uri="{FF2B5EF4-FFF2-40B4-BE49-F238E27FC236}">
-                <a16:creationId xmlns:a16="http://schemas.microsoft.com/office/drawing/2014/main" id="{ABD14B5E-96F1-050C-DED8-B7FC1F30C861}"/>
-              </a:ext>
-            </a:extLst>
-          </p:cNvPr>
-          <p:cNvSpPr txBox="1"/>
-          <p:nvPr/>
-        </p:nvSpPr>
-        <p:spPr>
-          <a:xfrm>
-            <a:off x="522514" y="1720840"/>
-            <a:ext cx="8098972" cy="923330"/>
-          </a:xfrm>
-          <a:prstGeom prst="rect">
-            <a:avLst/>
-          </a:prstGeom>
-          <a:noFill/>
-        </p:spPr>
-        <p:txBody>
-          <a:bodyPr wrap="square">
-            <a:spAutoFit/>
-          </a:bodyPr>
-          <a:lstStyle/>
-          <a:p>
-            <a:r>
-              <a:rPr lang="en-GB" dirty="0"/>
-              <a:t>This project aims to design and implement a system for restricting aircraft communications based on the availability and dynamics of flight.</a:t>
-            </a:r>
-          </a:p>
-          <a:p>
-            <a:endParaRPr lang="en-GB" dirty="0"/>
-          </a:p>
-        </p:txBody>
-      </p:sp>
-      <p:pic>
-        <p:nvPicPr>
-          <p:cNvPr id="2050" name="Picture 2" descr="Thales Connected Aircraft">
-            <a:extLst>
-              <a:ext uri="{FF2B5EF4-FFF2-40B4-BE49-F238E27FC236}">
-                <a16:creationId xmlns:a16="http://schemas.microsoft.com/office/drawing/2014/main" id="{27766569-AA2B-0B6F-9C01-79AA6F0A35B4}"/>
-              </a:ext>
-            </a:extLst>
-          </p:cNvPr>
-          <p:cNvPicPr>
-            <a:picLocks noChangeAspect="1" noChangeArrowheads="1"/>
-          </p:cNvPicPr>
-          <p:nvPr/>
-        </p:nvPicPr>
-        <p:blipFill>
-          <a:blip r:embed="rId2">
-            <a:extLst>
-              <a:ext uri="{28A0092B-C50C-407E-A947-70E740481C1C}">
-                <a14:useLocalDpi xmlns:a14="http://schemas.microsoft.com/office/drawing/2010/main" val="0"/>
-              </a:ext>
-            </a:extLst>
-          </a:blip>
-          <a:srcRect/>
-          <a:stretch>
-            <a:fillRect/>
-          </a:stretch>
-        </p:blipFill>
-        <p:spPr bwMode="auto">
-          <a:xfrm>
-            <a:off x="1386639" y="2435338"/>
-            <a:ext cx="6370721" cy="3556986"/>
-          </a:xfrm>
-          <a:prstGeom prst="rect">
-            <a:avLst/>
-          </a:prstGeom>
-          <a:noFill/>
-          <a:extLst>
-            <a:ext uri="{909E8E84-426E-40DD-AFC4-6F175D3DCCD1}">
-              <a14:hiddenFill xmlns:a14="http://schemas.microsoft.com/office/drawing/2010/main">
-                <a:solidFill>
-                  <a:srgbClr val="FFFFFF"/>
-                </a:solidFill>
-              </a14:hiddenFill>
-            </a:ext>
-          </a:extLst>
-        </p:spPr>
-      </p:pic>
-      <p:sp>
-        <p:nvSpPr>
           <p:cNvPr id="5" name="ZoneTexte 4">
             <a:extLst>
               <a:ext uri="{FF2B5EF4-FFF2-40B4-BE49-F238E27FC236}">
@@ -4050,7 +5565,7 @@
           <a:p>
             <a:r>
               <a:rPr lang="en-GB" sz="600" dirty="0">
-                <a:hlinkClick r:id="rId3">
+                <a:hlinkClick r:id="rId2">
                   <a:extLst>
                     <a:ext uri="{A12FA001-AC4F-418D-AE19-62706E023703}">
                       <ahyp:hlinkClr xmlns:ahyp="http://schemas.microsoft.com/office/drawing/2018/hyperlinkcolor" val="tx"/>
@@ -4058,7 +5573,7 @@
                   </a:extLst>
                 </a:hlinkClick>
               </a:rPr>
-              <a:t>https://www.thalesgroup.com/en/markets/aerospace/thales-connected-aircraft</a:t>
+              <a:t>https://skybrary.aero/articles/loss-communication</a:t>
             </a:r>
             <a:endParaRPr lang="en-GB" sz="600" dirty="0"/>
           </a:p>
@@ -4067,6 +5582,319 @@
           </a:p>
         </p:txBody>
       </p:sp>
+      <p:grpSp>
+        <p:nvGrpSpPr>
+          <p:cNvPr id="4" name="Groupe 3">
+            <a:extLst>
+              <a:ext uri="{FF2B5EF4-FFF2-40B4-BE49-F238E27FC236}">
+                <a16:creationId xmlns:a16="http://schemas.microsoft.com/office/drawing/2014/main" id="{61BA360E-ED80-2C0F-DB5E-585D4F1DBBCC}"/>
+              </a:ext>
+            </a:extLst>
+          </p:cNvPr>
+          <p:cNvGrpSpPr/>
+          <p:nvPr/>
+        </p:nvGrpSpPr>
+        <p:grpSpPr>
+          <a:xfrm>
+            <a:off x="2433453" y="4034041"/>
+            <a:ext cx="3260558" cy="2169332"/>
+            <a:chOff x="5080578" y="4203942"/>
+            <a:chExt cx="3260558" cy="2169332"/>
+          </a:xfrm>
+        </p:grpSpPr>
+        <p:pic>
+          <p:nvPicPr>
+            <p:cNvPr id="1026" name="Picture 2">
+              <a:extLst>
+                <a:ext uri="{FF2B5EF4-FFF2-40B4-BE49-F238E27FC236}">
+                  <a16:creationId xmlns:a16="http://schemas.microsoft.com/office/drawing/2014/main" id="{BCAC3575-69CB-6BDC-0430-E955A26C006C}"/>
+                </a:ext>
+              </a:extLst>
+            </p:cNvPr>
+            <p:cNvPicPr>
+              <a:picLocks noChangeAspect="1" noChangeArrowheads="1"/>
+            </p:cNvPicPr>
+            <p:nvPr/>
+          </p:nvPicPr>
+          <p:blipFill>
+            <a:blip r:embed="rId3">
+              <a:extLst>
+                <a:ext uri="{28A0092B-C50C-407E-A947-70E740481C1C}">
+                  <a14:useLocalDpi xmlns:a14="http://schemas.microsoft.com/office/drawing/2010/main" val="0"/>
+                </a:ext>
+              </a:extLst>
+            </a:blip>
+            <a:srcRect/>
+            <a:stretch>
+              <a:fillRect/>
+            </a:stretch>
+          </p:blipFill>
+          <p:spPr bwMode="auto">
+            <a:xfrm>
+              <a:off x="5510858" y="4203942"/>
+              <a:ext cx="2399999" cy="1800000"/>
+            </a:xfrm>
+            <a:prstGeom prst="rect">
+              <a:avLst/>
+            </a:prstGeom>
+            <a:noFill/>
+            <a:extLst>
+              <a:ext uri="{909E8E84-426E-40DD-AFC4-6F175D3DCCD1}">
+                <a14:hiddenFill xmlns:a14="http://schemas.microsoft.com/office/drawing/2010/main">
+                  <a:solidFill>
+                    <a:srgbClr val="FFFFFF"/>
+                  </a:solidFill>
+                </a14:hiddenFill>
+              </a:ext>
+            </a:extLst>
+          </p:spPr>
+        </p:pic>
+        <p:sp>
+          <p:nvSpPr>
+            <p:cNvPr id="3" name="ZoneTexte 2">
+              <a:extLst>
+                <a:ext uri="{FF2B5EF4-FFF2-40B4-BE49-F238E27FC236}">
+                  <a16:creationId xmlns:a16="http://schemas.microsoft.com/office/drawing/2014/main" id="{43AA4D3A-F774-96AF-52F2-5483CED1762D}"/>
+                </a:ext>
+              </a:extLst>
+            </p:cNvPr>
+            <p:cNvSpPr txBox="1"/>
+            <p:nvPr/>
+          </p:nvSpPr>
+          <p:spPr>
+            <a:xfrm>
+              <a:off x="5080578" y="6003942"/>
+              <a:ext cx="3260558" cy="369332"/>
+            </a:xfrm>
+            <a:prstGeom prst="rect">
+              <a:avLst/>
+            </a:prstGeom>
+            <a:noFill/>
+          </p:spPr>
+          <p:txBody>
+            <a:bodyPr wrap="square" rtlCol="0">
+              <a:spAutoFit/>
+            </a:bodyPr>
+            <a:lstStyle/>
+            <a:p>
+              <a:pPr algn="ctr"/>
+              <a:r>
+                <a:rPr lang="en-GB" dirty="0"/>
+                <a:t>TBM8, Birmingham UK, 2011</a:t>
+              </a:r>
+            </a:p>
+          </p:txBody>
+        </p:sp>
+      </p:grpSp>
+      <p:grpSp>
+        <p:nvGrpSpPr>
+          <p:cNvPr id="11" name="Groupe 10">
+            <a:extLst>
+              <a:ext uri="{FF2B5EF4-FFF2-40B4-BE49-F238E27FC236}">
+                <a16:creationId xmlns:a16="http://schemas.microsoft.com/office/drawing/2014/main" id="{177DE5DF-7246-7019-0E9E-5EC0A072AFCB}"/>
+              </a:ext>
+            </a:extLst>
+          </p:cNvPr>
+          <p:cNvGrpSpPr/>
+          <p:nvPr/>
+        </p:nvGrpSpPr>
+        <p:grpSpPr>
+          <a:xfrm>
+            <a:off x="5441213" y="1968709"/>
+            <a:ext cx="3195069" cy="2294027"/>
+            <a:chOff x="794619" y="2367847"/>
+            <a:chExt cx="3195069" cy="2294027"/>
+          </a:xfrm>
+        </p:grpSpPr>
+        <p:pic>
+          <p:nvPicPr>
+            <p:cNvPr id="1030" name="Picture 6" descr="Airbus A319 - Wikipedia">
+              <a:extLst>
+                <a:ext uri="{FF2B5EF4-FFF2-40B4-BE49-F238E27FC236}">
+                  <a16:creationId xmlns:a16="http://schemas.microsoft.com/office/drawing/2014/main" id="{D05B7491-0D01-C4A3-34B1-2F04B6FB50A3}"/>
+                </a:ext>
+              </a:extLst>
+            </p:cNvPr>
+            <p:cNvPicPr>
+              <a:picLocks noChangeAspect="1" noChangeArrowheads="1"/>
+            </p:cNvPicPr>
+            <p:nvPr/>
+          </p:nvPicPr>
+          <p:blipFill>
+            <a:blip r:embed="rId4">
+              <a:extLst>
+                <a:ext uri="{28A0092B-C50C-407E-A947-70E740481C1C}">
+                  <a14:useLocalDpi xmlns:a14="http://schemas.microsoft.com/office/drawing/2010/main" val="0"/>
+                </a:ext>
+              </a:extLst>
+            </a:blip>
+            <a:srcRect/>
+            <a:stretch>
+              <a:fillRect/>
+            </a:stretch>
+          </p:blipFill>
+          <p:spPr bwMode="auto">
+            <a:xfrm>
+              <a:off x="794619" y="2367847"/>
+              <a:ext cx="3195069" cy="1800000"/>
+            </a:xfrm>
+            <a:prstGeom prst="rect">
+              <a:avLst/>
+            </a:prstGeom>
+            <a:noFill/>
+            <a:extLst>
+              <a:ext uri="{909E8E84-426E-40DD-AFC4-6F175D3DCCD1}">
+                <a14:hiddenFill xmlns:a14="http://schemas.microsoft.com/office/drawing/2010/main">
+                  <a:solidFill>
+                    <a:srgbClr val="FFFFFF"/>
+                  </a:solidFill>
+                </a14:hiddenFill>
+              </a:ext>
+            </a:extLst>
+          </p:spPr>
+        </p:pic>
+        <p:sp>
+          <p:nvSpPr>
+            <p:cNvPr id="10" name="ZoneTexte 9">
+              <a:extLst>
+                <a:ext uri="{FF2B5EF4-FFF2-40B4-BE49-F238E27FC236}">
+                  <a16:creationId xmlns:a16="http://schemas.microsoft.com/office/drawing/2014/main" id="{81623FC4-DF34-0F34-ADA8-98B060CC1251}"/>
+                </a:ext>
+              </a:extLst>
+            </p:cNvPr>
+            <p:cNvSpPr txBox="1"/>
+            <p:nvPr/>
+          </p:nvSpPr>
+          <p:spPr>
+            <a:xfrm>
+              <a:off x="837339" y="4292542"/>
+              <a:ext cx="3109628" cy="369332"/>
+            </a:xfrm>
+            <a:prstGeom prst="rect">
+              <a:avLst/>
+            </a:prstGeom>
+            <a:noFill/>
+          </p:spPr>
+          <p:txBody>
+            <a:bodyPr wrap="square" rtlCol="0">
+              <a:spAutoFit/>
+            </a:bodyPr>
+            <a:lstStyle/>
+            <a:p>
+              <a:pPr algn="ctr"/>
+              <a:r>
+                <a:rPr lang="fr-FR" dirty="0"/>
+                <a:t>A319, Nantes, 2006</a:t>
+              </a:r>
+              <a:endParaRPr lang="en-GB" dirty="0"/>
+            </a:p>
+          </p:txBody>
+        </p:sp>
+      </p:grpSp>
+      <p:grpSp>
+        <p:nvGrpSpPr>
+          <p:cNvPr id="13" name="Groupe 12">
+            <a:extLst>
+              <a:ext uri="{FF2B5EF4-FFF2-40B4-BE49-F238E27FC236}">
+                <a16:creationId xmlns:a16="http://schemas.microsoft.com/office/drawing/2014/main" id="{E742774C-4834-1FB7-8A35-C8F992B88EA2}"/>
+              </a:ext>
+            </a:extLst>
+          </p:cNvPr>
+          <p:cNvGrpSpPr/>
+          <p:nvPr/>
+        </p:nvGrpSpPr>
+        <p:grpSpPr>
+          <a:xfrm>
+            <a:off x="214236" y="1581055"/>
+            <a:ext cx="4077486" cy="2235599"/>
+            <a:chOff x="4672114" y="1629000"/>
+            <a:chExt cx="4077486" cy="2235599"/>
+          </a:xfrm>
+        </p:grpSpPr>
+        <p:pic>
+          <p:nvPicPr>
+            <p:cNvPr id="1032" name="Picture 8" descr="upload.wikimedia.org/wikipedia/commons/c/c1/Airbus...">
+              <a:extLst>
+                <a:ext uri="{FF2B5EF4-FFF2-40B4-BE49-F238E27FC236}">
+                  <a16:creationId xmlns:a16="http://schemas.microsoft.com/office/drawing/2014/main" id="{30E356C6-264A-BFAC-18FE-7CB9EE81F89A}"/>
+                </a:ext>
+              </a:extLst>
+            </p:cNvPr>
+            <p:cNvPicPr>
+              <a:picLocks noChangeAspect="1" noChangeArrowheads="1"/>
+            </p:cNvPicPr>
+            <p:nvPr/>
+          </p:nvPicPr>
+          <p:blipFill>
+            <a:blip r:embed="rId5">
+              <a:extLst>
+                <a:ext uri="{28A0092B-C50C-407E-A947-70E740481C1C}">
+                  <a14:useLocalDpi xmlns:a14="http://schemas.microsoft.com/office/drawing/2010/main" val="0"/>
+                </a:ext>
+              </a:extLst>
+            </a:blip>
+            <a:srcRect/>
+            <a:stretch>
+              <a:fillRect/>
+            </a:stretch>
+          </p:blipFill>
+          <p:spPr bwMode="auto">
+            <a:xfrm>
+              <a:off x="5360857" y="1629000"/>
+              <a:ext cx="2700001" cy="1800000"/>
+            </a:xfrm>
+            <a:prstGeom prst="rect">
+              <a:avLst/>
+            </a:prstGeom>
+            <a:noFill/>
+            <a:extLst>
+              <a:ext uri="{909E8E84-426E-40DD-AFC4-6F175D3DCCD1}">
+                <a14:hiddenFill xmlns:a14="http://schemas.microsoft.com/office/drawing/2010/main">
+                  <a:solidFill>
+                    <a:srgbClr val="FFFFFF"/>
+                  </a:solidFill>
+                </a14:hiddenFill>
+              </a:ext>
+            </a:extLst>
+          </p:spPr>
+        </p:pic>
+        <p:sp>
+          <p:nvSpPr>
+            <p:cNvPr id="12" name="ZoneTexte 11">
+              <a:extLst>
+                <a:ext uri="{FF2B5EF4-FFF2-40B4-BE49-F238E27FC236}">
+                  <a16:creationId xmlns:a16="http://schemas.microsoft.com/office/drawing/2014/main" id="{DE883661-09BD-1929-E42C-762594B2899E}"/>
+                </a:ext>
+              </a:extLst>
+            </p:cNvPr>
+            <p:cNvSpPr txBox="1"/>
+            <p:nvPr/>
+          </p:nvSpPr>
+          <p:spPr>
+            <a:xfrm>
+              <a:off x="4672114" y="3495267"/>
+              <a:ext cx="4077486" cy="369332"/>
+            </a:xfrm>
+            <a:prstGeom prst="rect">
+              <a:avLst/>
+            </a:prstGeom>
+            <a:noFill/>
+          </p:spPr>
+          <p:txBody>
+            <a:bodyPr wrap="square" rtlCol="0" anchor="ctr">
+              <a:spAutoFit/>
+            </a:bodyPr>
+            <a:lstStyle/>
+            <a:p>
+              <a:pPr algn="ctr"/>
+              <a:r>
+                <a:rPr lang="en-GB" dirty="0"/>
+                <a:t>A320 Denver CO USA 2009</a:t>
+              </a:r>
+            </a:p>
+          </p:txBody>
+        </p:sp>
+      </p:grpSp>
     </p:spTree>
     <p:extLst>
       <p:ext uri="{BB962C8B-B14F-4D97-AF65-F5344CB8AC3E}">
@@ -4099,6 +5927,124 @@
       </p:grpSpPr>
       <p:sp>
         <p:nvSpPr>
+          <p:cNvPr id="15" name="Rectangle : coins arrondis 14">
+            <a:extLst>
+              <a:ext uri="{FF2B5EF4-FFF2-40B4-BE49-F238E27FC236}">
+                <a16:creationId xmlns:a16="http://schemas.microsoft.com/office/drawing/2014/main" id="{639C2E77-DF9F-7D06-9450-CF505FDA70FD}"/>
+              </a:ext>
+            </a:extLst>
+          </p:cNvPr>
+          <p:cNvSpPr/>
+          <p:nvPr/>
+        </p:nvSpPr>
+        <p:spPr>
+          <a:xfrm>
+            <a:off x="1580002" y="3671592"/>
+            <a:ext cx="7271371" cy="2294292"/>
+          </a:xfrm>
+          <a:prstGeom prst="roundRect">
+            <a:avLst/>
+          </a:prstGeom>
+          <a:solidFill>
+            <a:schemeClr val="accent3">
+              <a:lumMod val="40000"/>
+              <a:lumOff val="60000"/>
+            </a:schemeClr>
+          </a:solidFill>
+          <a:ln w="9525" cap="flat" cmpd="sng" algn="ctr">
+            <a:solidFill>
+              <a:schemeClr val="accent3"/>
+            </a:solidFill>
+            <a:prstDash val="solid"/>
+            <a:round/>
+            <a:headEnd type="none" w="med" len="med"/>
+            <a:tailEnd type="none" w="med" len="med"/>
+          </a:ln>
+        </p:spPr>
+        <p:style>
+          <a:lnRef idx="0">
+            <a:scrgbClr r="0" g="0" b="0"/>
+          </a:lnRef>
+          <a:fillRef idx="0">
+            <a:scrgbClr r="0" g="0" b="0"/>
+          </a:fillRef>
+          <a:effectRef idx="0">
+            <a:scrgbClr r="0" g="0" b="0"/>
+          </a:effectRef>
+          <a:fontRef idx="minor">
+            <a:schemeClr val="accent3"/>
+          </a:fontRef>
+        </p:style>
+        <p:txBody>
+          <a:bodyPr rtlCol="0" anchor="ctr"/>
+          <a:lstStyle/>
+          <a:p>
+            <a:pPr algn="ctr"/>
+            <a:endParaRPr lang="en-GB"/>
+          </a:p>
+        </p:txBody>
+      </p:sp>
+      <p:sp>
+        <p:nvSpPr>
+          <p:cNvPr id="13" name="Rectangle : coins arrondis 12">
+            <a:extLst>
+              <a:ext uri="{FF2B5EF4-FFF2-40B4-BE49-F238E27FC236}">
+                <a16:creationId xmlns:a16="http://schemas.microsoft.com/office/drawing/2014/main" id="{8F176699-FD01-E068-9814-A26F7C68E9D2}"/>
+              </a:ext>
+            </a:extLst>
+          </p:cNvPr>
+          <p:cNvSpPr/>
+          <p:nvPr/>
+        </p:nvSpPr>
+        <p:spPr>
+          <a:xfrm>
+            <a:off x="1513656" y="2045368"/>
+            <a:ext cx="7271371" cy="1383632"/>
+          </a:xfrm>
+          <a:prstGeom prst="roundRect">
+            <a:avLst/>
+          </a:prstGeom>
+          <a:solidFill>
+            <a:schemeClr val="accent3">
+              <a:lumMod val="40000"/>
+              <a:lumOff val="60000"/>
+            </a:schemeClr>
+          </a:solidFill>
+          <a:ln w="9525" cap="flat" cmpd="sng" algn="ctr">
+            <a:solidFill>
+              <a:schemeClr val="accent3"/>
+            </a:solidFill>
+            <a:prstDash val="solid"/>
+            <a:round/>
+            <a:headEnd type="none" w="med" len="med"/>
+            <a:tailEnd type="none" w="med" len="med"/>
+          </a:ln>
+        </p:spPr>
+        <p:style>
+          <a:lnRef idx="0">
+            <a:scrgbClr r="0" g="0" b="0"/>
+          </a:lnRef>
+          <a:fillRef idx="0">
+            <a:scrgbClr r="0" g="0" b="0"/>
+          </a:fillRef>
+          <a:effectRef idx="0">
+            <a:scrgbClr r="0" g="0" b="0"/>
+          </a:effectRef>
+          <a:fontRef idx="minor">
+            <a:schemeClr val="accent3"/>
+          </a:fontRef>
+        </p:style>
+        <p:txBody>
+          <a:bodyPr rtlCol="0" anchor="ctr"/>
+          <a:lstStyle/>
+          <a:p>
+            <a:pPr algn="ctr"/>
+            <a:endParaRPr lang="en-GB"/>
+          </a:p>
+        </p:txBody>
+      </p:sp>
+      <p:sp>
+        <p:nvSpPr>
           <p:cNvPr id="2" name="TextBox 1"/>
           <p:cNvSpPr txBox="1"/>
           <p:nvPr/>
@@ -4144,8 +6090,8 @@
         </p:nvSpPr>
         <p:spPr>
           <a:xfrm>
-            <a:off x="587829" y="2108718"/>
-            <a:ext cx="8229600" cy="1200329"/>
+            <a:off x="1700317" y="2121711"/>
+            <a:ext cx="7271371" cy="1477328"/>
           </a:xfrm>
           <a:prstGeom prst="rect">
             <a:avLst/>
@@ -4160,7 +6106,7 @@
           <a:p>
             <a:r>
               <a:rPr lang="en-GB" dirty="0"/>
-              <a:t>Aim: Develop a model integrating real-time flight data and dynamic parameters able to intelligently manage and optimize communication resources, ensuring efficient and secure aircraft communication during different phases of flight.</a:t>
+              <a:t>Aim: Develop a system integrating real-time flight data and dynamic parameters able to intelligently manage and optimize communication resources, ensuring efficient and secure aircraft communication during different phases of flight.</a:t>
             </a:r>
           </a:p>
           <a:p>
@@ -4182,8 +6128,8 @@
         </p:nvSpPr>
         <p:spPr>
           <a:xfrm>
-            <a:off x="587829" y="3803076"/>
-            <a:ext cx="7828260" cy="1477328"/>
+            <a:off x="1780673" y="3742918"/>
+            <a:ext cx="6910807" cy="2031325"/>
           </a:xfrm>
           <a:prstGeom prst="rect">
             <a:avLst/>
@@ -4202,16 +6148,13 @@
             </a:r>
           </a:p>
           <a:p>
-            <a:endParaRPr lang="en-GB" dirty="0"/>
-          </a:p>
-          <a:p>
             <a:pPr marL="285750" indent="-285750">
               <a:buFontTx/>
               <a:buChar char="-"/>
             </a:pPr>
             <a:r>
               <a:rPr lang="en-GB" dirty="0"/>
-              <a:t>Efficient and secure air to ground communication through VHF by choosing the best ground antenna</a:t>
+              <a:t>Develop a model in Unity able to simulate air to ground communications</a:t>
             </a:r>
           </a:p>
           <a:p>
@@ -4221,11 +6164,91 @@
             </a:pPr>
             <a:r>
               <a:rPr lang="en-GB" dirty="0"/>
+              <a:t>Integrate an algorithm to compute the quality of the signals</a:t>
+            </a:r>
+          </a:p>
+          <a:p>
+            <a:pPr marL="285750" indent="-285750">
+              <a:buFontTx/>
+              <a:buChar char="-"/>
+            </a:pPr>
+            <a:r>
+              <a:rPr lang="en-GB" dirty="0"/>
+              <a:t>Develop an algorithm to swap between antennas to always get the best signal</a:t>
+            </a:r>
+          </a:p>
+          <a:p>
+            <a:pPr marL="285750" indent="-285750">
+              <a:buFontTx/>
+              <a:buChar char="-"/>
+            </a:pPr>
+            <a:r>
+              <a:rPr lang="en-GB" dirty="0"/>
               <a:t>Predict no communication zones and avoid them</a:t>
             </a:r>
           </a:p>
         </p:txBody>
       </p:sp>
+      <p:pic>
+        <p:nvPicPr>
+          <p:cNvPr id="6" name="Image 5">
+            <a:extLst>
+              <a:ext uri="{FF2B5EF4-FFF2-40B4-BE49-F238E27FC236}">
+                <a16:creationId xmlns:a16="http://schemas.microsoft.com/office/drawing/2014/main" id="{650D0CE0-84E3-E258-F8D1-E4A904D8D9D5}"/>
+              </a:ext>
+            </a:extLst>
+          </p:cNvPr>
+          <p:cNvPicPr>
+            <a:picLocks noChangeAspect="1"/>
+          </p:cNvPicPr>
+          <p:nvPr/>
+        </p:nvPicPr>
+        <p:blipFill>
+          <a:blip r:embed="rId2"/>
+          <a:stretch>
+            <a:fillRect/>
+          </a:stretch>
+        </p:blipFill>
+        <p:spPr>
+          <a:xfrm>
+            <a:off x="452521" y="2400967"/>
+            <a:ext cx="672434" cy="672434"/>
+          </a:xfrm>
+          <a:prstGeom prst="rect">
+            <a:avLst/>
+          </a:prstGeom>
+        </p:spPr>
+      </p:pic>
+      <p:pic>
+        <p:nvPicPr>
+          <p:cNvPr id="10" name="Image 9">
+            <a:extLst>
+              <a:ext uri="{FF2B5EF4-FFF2-40B4-BE49-F238E27FC236}">
+                <a16:creationId xmlns:a16="http://schemas.microsoft.com/office/drawing/2014/main" id="{023C2FE4-C7FC-168C-5F43-192642D4D6BC}"/>
+              </a:ext>
+            </a:extLst>
+          </p:cNvPr>
+          <p:cNvPicPr>
+            <a:picLocks noChangeAspect="1"/>
+          </p:cNvPicPr>
+          <p:nvPr/>
+        </p:nvPicPr>
+        <p:blipFill>
+          <a:blip r:embed="rId3"/>
+          <a:stretch>
+            <a:fillRect/>
+          </a:stretch>
+        </p:blipFill>
+        <p:spPr>
+          <a:xfrm>
+            <a:off x="452520" y="4422362"/>
+            <a:ext cx="672435" cy="672435"/>
+          </a:xfrm>
+          <a:prstGeom prst="rect">
+            <a:avLst/>
+          </a:prstGeom>
+        </p:spPr>
+      </p:pic>
     </p:spTree>
     <p:extLst>
       <p:ext uri="{BB962C8B-B14F-4D97-AF65-F5344CB8AC3E}">
@@ -6048,7 +8071,7 @@
           <p:nvPr>
             <p:extLst>
               <p:ext uri="{D42A27DB-BD31-4B8C-83A1-F6EECF244321}">
-                <p14:modId xmlns:p14="http://schemas.microsoft.com/office/powerpoint/2010/main" val="575738381"/>
+                <p14:modId xmlns:p14="http://schemas.microsoft.com/office/powerpoint/2010/main" val="1472679810"/>
               </p:ext>
             </p:extLst>
           </p:nvPr>
@@ -6239,27 +8262,43 @@
                     <a:bodyPr/>
                     <a:lstStyle/>
                     <a:p>
-                      <a:pPr algn="ctr" fontAlgn="base"/>
-                      <a:r>
-                        <a:rPr lang="en-GB" sz="1200" cap="none" spc="0">
-                          <a:solidFill>
-                            <a:schemeClr val="tx1"/>
-                          </a:solidFill>
-                          <a:effectLst/>
-                        </a:rPr>
-                        <a:t>30 MHz-300 MHz</a:t>
-                      </a:r>
-                    </a:p>
-                    <a:p>
-                      <a:pPr algn="ctr" fontAlgn="base"/>
-                      <a:r>
-                        <a:rPr lang="en-GB" sz="1200" cap="none" spc="0">
+                      <a:pPr marL="0" marR="0" lvl="0" indent="0" algn="ctr" defTabSz="914400" rtl="0" eaLnBrk="1" fontAlgn="base" latinLnBrk="0" hangingPunct="1">
+                        <a:lnSpc>
+                          <a:spcPct val="100000"/>
+                        </a:lnSpc>
+                        <a:spcBef>
+                          <a:spcPts val="0"/>
+                        </a:spcBef>
+                        <a:spcAft>
+                          <a:spcPts val="0"/>
+                        </a:spcAft>
+                        <a:buClrTx/>
+                        <a:buSzTx/>
+                        <a:buFontTx/>
+                        <a:buNone/>
+                        <a:tabLst/>
+                        <a:defRPr/>
+                      </a:pPr>
+                      <a:r>
+                        <a:rPr lang="en-GB" sz="1200" cap="none" spc="0" dirty="0">
                           <a:solidFill>
                             <a:schemeClr val="tx1"/>
                           </a:solidFill>
                           <a:effectLst/>
                         </a:rPr>
                         <a:t>118–137 MHz</a:t>
+                      </a:r>
+                    </a:p>
+                    <a:p>
+                      <a:pPr algn="ctr" fontAlgn="base"/>
+                      <a:r>
+                        <a:rPr lang="en-GB" sz="1200" cap="none" spc="0" dirty="0">
+                          <a:solidFill>
+                            <a:schemeClr val="tx1"/>
+                          </a:solidFill>
+                          <a:effectLst/>
+                        </a:rPr>
+                        <a:t>(30 MHz-300 MHz)</a:t>
                       </a:r>
                     </a:p>
                   </a:txBody>
@@ -7380,7 +9419,7 @@
             <p:nvPr/>
           </p:nvPicPr>
           <p:blipFill>
-            <a:blip r:embed="rId2"/>
+            <a:blip r:embed="rId3"/>
             <a:stretch>
               <a:fillRect/>
             </a:stretch>
@@ -7432,6 +9471,51 @@
           </p:txBody>
         </p:sp>
       </p:grpSp>
+      <p:pic>
+        <p:nvPicPr>
+          <p:cNvPr id="1026" name="Picture 2">
+            <a:extLst>
+              <a:ext uri="{FF2B5EF4-FFF2-40B4-BE49-F238E27FC236}">
+                <a16:creationId xmlns:a16="http://schemas.microsoft.com/office/drawing/2014/main" id="{7674D6D5-9C79-A579-E500-3E2254CC7799}"/>
+              </a:ext>
+            </a:extLst>
+          </p:cNvPr>
+          <p:cNvPicPr>
+            <a:picLocks noChangeAspect="1" noChangeArrowheads="1"/>
+          </p:cNvPicPr>
+          <p:nvPr/>
+        </p:nvPicPr>
+        <p:blipFill rotWithShape="1">
+          <a:blip r:embed="rId4">
+            <a:extLst>
+              <a:ext uri="{28A0092B-C50C-407E-A947-70E740481C1C}">
+                <a14:useLocalDpi xmlns:a14="http://schemas.microsoft.com/office/drawing/2010/main" val="0"/>
+              </a:ext>
+            </a:extLst>
+          </a:blip>
+          <a:srcRect b="52351"/>
+          <a:stretch/>
+        </p:blipFill>
+        <p:spPr bwMode="auto">
+          <a:xfrm>
+            <a:off x="6304628" y="3673400"/>
+            <a:ext cx="1915190" cy="1563770"/>
+          </a:xfrm>
+          <a:prstGeom prst="rect">
+            <a:avLst/>
+          </a:prstGeom>
+          <a:noFill/>
+          <a:extLst>
+            <a:ext uri="{909E8E84-426E-40DD-AFC4-6F175D3DCCD1}">
+              <a14:hiddenFill xmlns:a14="http://schemas.microsoft.com/office/drawing/2010/main">
+                <a:solidFill>
+                  <a:srgbClr val="FFFFFF"/>
+                </a:solidFill>
+              </a14:hiddenFill>
+            </a:ext>
+          </a:extLst>
+        </p:spPr>
+      </p:pic>
     </p:spTree>
     <p:extLst>
       <p:ext uri="{BB962C8B-B14F-4D97-AF65-F5344CB8AC3E}">
@@ -7446,6 +9530,441 @@
 </file>
 
 <file path=ppt/slides/slide8.xml><?xml version="1.0" encoding="utf-8"?>
+<p:sld xmlns:a="http://schemas.openxmlformats.org/drawingml/2006/main" xmlns:r="http://schemas.openxmlformats.org/officeDocument/2006/relationships" xmlns:p="http://schemas.openxmlformats.org/presentationml/2006/main">
+  <p:cSld>
+    <p:spTree>
+      <p:nvGrpSpPr>
+        <p:cNvPr id="1" name=""/>
+        <p:cNvGrpSpPr/>
+        <p:nvPr/>
+      </p:nvGrpSpPr>
+      <p:grpSpPr>
+        <a:xfrm>
+          <a:off x="0" y="0"/>
+          <a:ext cx="0" cy="0"/>
+          <a:chOff x="0" y="0"/>
+          <a:chExt cx="0" cy="0"/>
+        </a:xfrm>
+      </p:grpSpPr>
+      <p:sp>
+        <p:nvSpPr>
+          <p:cNvPr id="9" name="Rectangle : coins arrondis 8">
+            <a:extLst>
+              <a:ext uri="{FF2B5EF4-FFF2-40B4-BE49-F238E27FC236}">
+                <a16:creationId xmlns:a16="http://schemas.microsoft.com/office/drawing/2014/main" id="{AAA66924-251C-94E5-6F81-D422C4F4A50B}"/>
+              </a:ext>
+            </a:extLst>
+          </p:cNvPr>
+          <p:cNvSpPr/>
+          <p:nvPr/>
+        </p:nvSpPr>
+        <p:spPr>
+          <a:xfrm>
+            <a:off x="905248" y="1806110"/>
+            <a:ext cx="2120694" cy="1806455"/>
+          </a:xfrm>
+          <a:prstGeom prst="roundRect">
+            <a:avLst/>
+          </a:prstGeom>
+        </p:spPr>
+        <p:style>
+          <a:lnRef idx="3">
+            <a:schemeClr val="lt1"/>
+          </a:lnRef>
+          <a:fillRef idx="1">
+            <a:schemeClr val="accent3"/>
+          </a:fillRef>
+          <a:effectRef idx="1">
+            <a:schemeClr val="accent3"/>
+          </a:effectRef>
+          <a:fontRef idx="minor">
+            <a:schemeClr val="lt1"/>
+          </a:fontRef>
+        </p:style>
+        <p:txBody>
+          <a:bodyPr rtlCol="0" anchor="ctr"/>
+          <a:lstStyle/>
+          <a:p>
+            <a:r>
+              <a:rPr lang="en-GB" dirty="0">
+                <a:solidFill>
+                  <a:schemeClr val="bg1"/>
+                </a:solidFill>
+              </a:rPr>
+              <a:t>Model:</a:t>
+            </a:r>
+          </a:p>
+          <a:p>
+            <a:pPr marL="285750" indent="-285750">
+              <a:buFont typeface="Arial" panose="020B0604020202020204" pitchFamily="34" charset="0"/>
+              <a:buChar char="•"/>
+            </a:pPr>
+            <a:r>
+              <a:rPr lang="en-GB" dirty="0">
+                <a:solidFill>
+                  <a:schemeClr val="bg1"/>
+                </a:solidFill>
+              </a:rPr>
+              <a:t>Unity</a:t>
+            </a:r>
+          </a:p>
+          <a:p>
+            <a:pPr marL="285750" indent="-285750">
+              <a:buFont typeface="Arial" panose="020B0604020202020204" pitchFamily="34" charset="0"/>
+              <a:buChar char="•"/>
+            </a:pPr>
+            <a:r>
+              <a:rPr lang="en-GB" dirty="0">
+                <a:solidFill>
+                  <a:schemeClr val="bg1"/>
+                </a:solidFill>
+              </a:rPr>
+              <a:t>Ansys</a:t>
+            </a:r>
+          </a:p>
+          <a:p>
+            <a:pPr marL="285750" indent="-285750">
+              <a:buFont typeface="Arial" panose="020B0604020202020204" pitchFamily="34" charset="0"/>
+              <a:buChar char="•"/>
+            </a:pPr>
+            <a:r>
+              <a:rPr lang="en-GB" dirty="0">
+                <a:solidFill>
+                  <a:schemeClr val="bg1"/>
+                </a:solidFill>
+              </a:rPr>
+              <a:t>Boeing 727</a:t>
+            </a:r>
+          </a:p>
+          <a:p>
+            <a:pPr marL="285750" indent="-285750">
+              <a:buFont typeface="Arial" panose="020B0604020202020204" pitchFamily="34" charset="0"/>
+              <a:buChar char="•"/>
+            </a:pPr>
+            <a:r>
+              <a:rPr lang="en-GB" dirty="0">
+                <a:solidFill>
+                  <a:schemeClr val="bg1"/>
+                </a:solidFill>
+              </a:rPr>
+              <a:t>VHF</a:t>
+            </a:r>
+          </a:p>
+        </p:txBody>
+      </p:sp>
+      <p:sp>
+        <p:nvSpPr>
+          <p:cNvPr id="2" name="TextBox 1">
+            <a:extLst>
+              <a:ext uri="{FF2B5EF4-FFF2-40B4-BE49-F238E27FC236}">
+                <a16:creationId xmlns:a16="http://schemas.microsoft.com/office/drawing/2014/main" id="{784B39CC-0A53-F1AC-4E9B-E63AE3B91427}"/>
+              </a:ext>
+            </a:extLst>
+          </p:cNvPr>
+          <p:cNvSpPr txBox="1"/>
+          <p:nvPr/>
+        </p:nvSpPr>
+        <p:spPr>
+          <a:xfrm>
+            <a:off x="1374940" y="854058"/>
+            <a:ext cx="7548805" cy="461665"/>
+          </a:xfrm>
+          <a:prstGeom prst="rect">
+            <a:avLst/>
+          </a:prstGeom>
+          <a:noFill/>
+        </p:spPr>
+        <p:txBody>
+          <a:bodyPr wrap="square" rtlCol="0">
+            <a:spAutoFit/>
+          </a:bodyPr>
+          <a:lstStyle/>
+          <a:p>
+            <a:pPr algn="ctr"/>
+            <a:r>
+              <a:rPr lang="en-GB" sz="2400" b="1" dirty="0">
+                <a:latin typeface="Arial" pitchFamily="34" charset="0"/>
+                <a:cs typeface="Arial" pitchFamily="34" charset="0"/>
+              </a:rPr>
+              <a:t>Problem statement</a:t>
+            </a:r>
+          </a:p>
+        </p:txBody>
+      </p:sp>
+      <p:pic>
+        <p:nvPicPr>
+          <p:cNvPr id="2050" name="Picture 2" descr="Thales Connected Aircraft">
+            <a:extLst>
+              <a:ext uri="{FF2B5EF4-FFF2-40B4-BE49-F238E27FC236}">
+                <a16:creationId xmlns:a16="http://schemas.microsoft.com/office/drawing/2014/main" id="{27766569-AA2B-0B6F-9C01-79AA6F0A35B4}"/>
+              </a:ext>
+            </a:extLst>
+          </p:cNvPr>
+          <p:cNvPicPr>
+            <a:picLocks noChangeAspect="1" noChangeArrowheads="1"/>
+          </p:cNvPicPr>
+          <p:nvPr/>
+        </p:nvPicPr>
+        <p:blipFill>
+          <a:blip r:embed="rId2">
+            <a:extLst>
+              <a:ext uri="{28A0092B-C50C-407E-A947-70E740481C1C}">
+                <a14:useLocalDpi xmlns:a14="http://schemas.microsoft.com/office/drawing/2010/main" val="0"/>
+              </a:ext>
+            </a:extLst>
+          </a:blip>
+          <a:srcRect/>
+          <a:stretch>
+            <a:fillRect/>
+          </a:stretch>
+        </p:blipFill>
+        <p:spPr bwMode="auto">
+          <a:xfrm>
+            <a:off x="4168942" y="1594924"/>
+            <a:ext cx="3988468" cy="2226894"/>
+          </a:xfrm>
+          <a:prstGeom prst="rect">
+            <a:avLst/>
+          </a:prstGeom>
+          <a:noFill/>
+          <a:extLst>
+            <a:ext uri="{909E8E84-426E-40DD-AFC4-6F175D3DCCD1}">
+              <a14:hiddenFill xmlns:a14="http://schemas.microsoft.com/office/drawing/2010/main">
+                <a:solidFill>
+                  <a:srgbClr val="FFFFFF"/>
+                </a:solidFill>
+              </a14:hiddenFill>
+            </a:ext>
+          </a:extLst>
+        </p:spPr>
+      </p:pic>
+      <p:sp>
+        <p:nvSpPr>
+          <p:cNvPr id="8" name="ZoneTexte 7">
+            <a:extLst>
+              <a:ext uri="{FF2B5EF4-FFF2-40B4-BE49-F238E27FC236}">
+                <a16:creationId xmlns:a16="http://schemas.microsoft.com/office/drawing/2014/main" id="{128AF999-F116-BCA8-1D85-F7F070F14672}"/>
+              </a:ext>
+            </a:extLst>
+          </p:cNvPr>
+          <p:cNvSpPr txBox="1"/>
+          <p:nvPr/>
+        </p:nvSpPr>
+        <p:spPr>
+          <a:xfrm>
+            <a:off x="739942" y="6188608"/>
+            <a:ext cx="4572000" cy="184666"/>
+          </a:xfrm>
+          <a:prstGeom prst="rect">
+            <a:avLst/>
+          </a:prstGeom>
+          <a:noFill/>
+        </p:spPr>
+        <p:txBody>
+          <a:bodyPr wrap="square">
+            <a:spAutoFit/>
+          </a:bodyPr>
+          <a:lstStyle/>
+          <a:p>
+            <a:r>
+              <a:rPr lang="en-GB" sz="600" dirty="0"/>
+              <a:t>https://www.thalesgroup.com/en/markets/aerospace/thales-connected-aircraft</a:t>
+            </a:r>
+          </a:p>
+        </p:txBody>
+      </p:sp>
+      <p:sp>
+        <p:nvSpPr>
+          <p:cNvPr id="10" name="Rectangle : coins arrondis 9">
+            <a:extLst>
+              <a:ext uri="{FF2B5EF4-FFF2-40B4-BE49-F238E27FC236}">
+                <a16:creationId xmlns:a16="http://schemas.microsoft.com/office/drawing/2014/main" id="{7CD9973A-9E84-7F59-1062-07D117757102}"/>
+              </a:ext>
+            </a:extLst>
+          </p:cNvPr>
+          <p:cNvSpPr/>
+          <p:nvPr/>
+        </p:nvSpPr>
+        <p:spPr>
+          <a:xfrm>
+            <a:off x="635951" y="4102952"/>
+            <a:ext cx="4779982" cy="1806455"/>
+          </a:xfrm>
+          <a:prstGeom prst="roundRect">
+            <a:avLst/>
+          </a:prstGeom>
+        </p:spPr>
+        <p:style>
+          <a:lnRef idx="3">
+            <a:schemeClr val="lt1"/>
+          </a:lnRef>
+          <a:fillRef idx="1">
+            <a:schemeClr val="accent3"/>
+          </a:fillRef>
+          <a:effectRef idx="1">
+            <a:schemeClr val="accent3"/>
+          </a:effectRef>
+          <a:fontRef idx="minor">
+            <a:schemeClr val="lt1"/>
+          </a:fontRef>
+        </p:style>
+        <p:txBody>
+          <a:bodyPr rtlCol="0" anchor="ctr"/>
+          <a:lstStyle/>
+          <a:p>
+            <a:r>
+              <a:rPr lang="en-GB" dirty="0"/>
+              <a:t>Antennas:</a:t>
+            </a:r>
+          </a:p>
+          <a:p>
+            <a:pPr marL="285750" indent="-285750">
+              <a:buFont typeface="Arial" panose="020B0604020202020204" pitchFamily="34" charset="0"/>
+              <a:buChar char="•"/>
+            </a:pPr>
+            <a:r>
+              <a:rPr lang="en-GB" dirty="0"/>
+              <a:t>Antennas of the Boeing 727</a:t>
+            </a:r>
+          </a:p>
+          <a:p>
+            <a:pPr marL="285750" indent="-285750">
+              <a:buFont typeface="Arial" panose="020B0604020202020204" pitchFamily="34" charset="0"/>
+              <a:buChar char="•"/>
+            </a:pPr>
+            <a:r>
+              <a:rPr lang="en-GB" dirty="0"/>
+              <a:t>VHF</a:t>
+            </a:r>
+          </a:p>
+          <a:p>
+            <a:pPr marL="285750" indent="-285750">
+              <a:buFont typeface="Arial" panose="020B0604020202020204" pitchFamily="34" charset="0"/>
+              <a:buChar char="•"/>
+            </a:pPr>
+            <a:r>
+              <a:rPr lang="en-GB" dirty="0"/>
+              <a:t>Multiple ground antennas</a:t>
+            </a:r>
+          </a:p>
+          <a:p>
+            <a:pPr marL="285750" indent="-285750">
+              <a:buFont typeface="Arial" panose="020B0604020202020204" pitchFamily="34" charset="0"/>
+              <a:buChar char="•"/>
+            </a:pPr>
+            <a:r>
+              <a:rPr lang="en-GB" dirty="0"/>
+              <a:t>Possibility to move the Aircraft antenna</a:t>
+            </a:r>
+          </a:p>
+        </p:txBody>
+      </p:sp>
+      <p:sp>
+        <p:nvSpPr>
+          <p:cNvPr id="3" name="Rectangle : coins arrondis 2">
+            <a:extLst>
+              <a:ext uri="{FF2B5EF4-FFF2-40B4-BE49-F238E27FC236}">
+                <a16:creationId xmlns:a16="http://schemas.microsoft.com/office/drawing/2014/main" id="{D6E01886-63C5-A96C-DDB6-1613F49F4935}"/>
+              </a:ext>
+            </a:extLst>
+          </p:cNvPr>
+          <p:cNvSpPr/>
+          <p:nvPr/>
+        </p:nvSpPr>
+        <p:spPr>
+          <a:xfrm>
+            <a:off x="5955713" y="4101019"/>
+            <a:ext cx="2444008" cy="1806455"/>
+          </a:xfrm>
+          <a:prstGeom prst="roundRect">
+            <a:avLst/>
+          </a:prstGeom>
+        </p:spPr>
+        <p:style>
+          <a:lnRef idx="3">
+            <a:schemeClr val="lt1"/>
+          </a:lnRef>
+          <a:fillRef idx="1">
+            <a:schemeClr val="accent3"/>
+          </a:fillRef>
+          <a:effectRef idx="1">
+            <a:schemeClr val="accent3"/>
+          </a:effectRef>
+          <a:fontRef idx="minor">
+            <a:schemeClr val="lt1"/>
+          </a:fontRef>
+        </p:style>
+        <p:txBody>
+          <a:bodyPr rtlCol="0" anchor="ctr"/>
+          <a:lstStyle/>
+          <a:p>
+            <a:r>
+              <a:rPr lang="en-GB" dirty="0">
+                <a:solidFill>
+                  <a:schemeClr val="bg1"/>
+                </a:solidFill>
+              </a:rPr>
+              <a:t>Link Budget:</a:t>
+            </a:r>
+          </a:p>
+          <a:p>
+            <a:pPr marL="285750" indent="-285750">
+              <a:buFont typeface="Arial" panose="020B0604020202020204" pitchFamily="34" charset="0"/>
+              <a:buChar char="•"/>
+            </a:pPr>
+            <a:r>
+              <a:rPr lang="en-GB" dirty="0">
+                <a:solidFill>
+                  <a:schemeClr val="bg1"/>
+                </a:solidFill>
+              </a:rPr>
+              <a:t>Free space loss</a:t>
+            </a:r>
+          </a:p>
+          <a:p>
+            <a:pPr marL="285750" indent="-285750">
+              <a:buFont typeface="Arial" panose="020B0604020202020204" pitchFamily="34" charset="0"/>
+              <a:buChar char="•"/>
+            </a:pPr>
+            <a:r>
+              <a:rPr lang="en-GB" dirty="0">
+                <a:solidFill>
+                  <a:schemeClr val="bg1"/>
+                </a:solidFill>
+              </a:rPr>
+              <a:t>Antenna loss</a:t>
+            </a:r>
+          </a:p>
+          <a:p>
+            <a:pPr marL="285750" indent="-285750">
+              <a:buFont typeface="Arial" panose="020B0604020202020204" pitchFamily="34" charset="0"/>
+              <a:buChar char="•"/>
+            </a:pPr>
+            <a:r>
+              <a:rPr lang="en-GB" dirty="0">
+                <a:solidFill>
+                  <a:schemeClr val="bg1"/>
+                </a:solidFill>
+              </a:rPr>
+              <a:t>Temperature loss</a:t>
+            </a:r>
+          </a:p>
+        </p:txBody>
+      </p:sp>
+    </p:spTree>
+    <p:extLst>
+      <p:ext uri="{BB962C8B-B14F-4D97-AF65-F5344CB8AC3E}">
+        <p14:creationId xmlns:p14="http://schemas.microsoft.com/office/powerpoint/2010/main" val="1904630676"/>
+      </p:ext>
+    </p:extLst>
+  </p:cSld>
+  <p:clrMapOvr>
+    <a:masterClrMapping/>
+  </p:clrMapOvr>
+</p:sld>
+</file>
+
+<file path=ppt/slides/slide9.xml><?xml version="1.0" encoding="utf-8"?>
 <p:sld xmlns:a="http://schemas.openxmlformats.org/drawingml/2006/main" xmlns:r="http://schemas.openxmlformats.org/officeDocument/2006/relationships" xmlns:p="http://schemas.openxmlformats.org/presentationml/2006/main">
   <p:cSld>
     <p:spTree>
@@ -7697,604 +10216,6 @@
     <p:extLst>
       <p:ext uri="{BB962C8B-B14F-4D97-AF65-F5344CB8AC3E}">
         <p14:creationId xmlns:p14="http://schemas.microsoft.com/office/powerpoint/2010/main" val="1588572308"/>
-      </p:ext>
-    </p:extLst>
-  </p:cSld>
-  <p:clrMapOvr>
-    <a:masterClrMapping/>
-  </p:clrMapOvr>
-</p:sld>
-</file>
-
-<file path=ppt/slides/slide9.xml><?xml version="1.0" encoding="utf-8"?>
-<p:sld xmlns:a="http://schemas.openxmlformats.org/drawingml/2006/main" xmlns:r="http://schemas.openxmlformats.org/officeDocument/2006/relationships" xmlns:p="http://schemas.openxmlformats.org/presentationml/2006/main">
-  <p:cSld>
-    <p:spTree>
-      <p:nvGrpSpPr>
-        <p:cNvPr id="1" name=""/>
-        <p:cNvGrpSpPr/>
-        <p:nvPr/>
-      </p:nvGrpSpPr>
-      <p:grpSpPr>
-        <a:xfrm>
-          <a:off x="0" y="0"/>
-          <a:ext cx="0" cy="0"/>
-          <a:chOff x="0" y="0"/>
-          <a:chExt cx="0" cy="0"/>
-        </a:xfrm>
-      </p:grpSpPr>
-      <p:sp>
-        <p:nvSpPr>
-          <p:cNvPr id="2" name="TextBox 1"/>
-          <p:cNvSpPr txBox="1"/>
-          <p:nvPr/>
-        </p:nvSpPr>
-        <p:spPr>
-          <a:xfrm>
-            <a:off x="1374940" y="854058"/>
-            <a:ext cx="7548805" cy="461665"/>
-          </a:xfrm>
-          <a:prstGeom prst="rect">
-            <a:avLst/>
-          </a:prstGeom>
-          <a:noFill/>
-        </p:spPr>
-        <p:txBody>
-          <a:bodyPr wrap="square" rtlCol="0">
-            <a:spAutoFit/>
-          </a:bodyPr>
-          <a:lstStyle/>
-          <a:p>
-            <a:pPr algn="ctr"/>
-            <a:r>
-              <a:rPr lang="en-GB" sz="2400" b="1" dirty="0">
-                <a:latin typeface="Arial" pitchFamily="34" charset="0"/>
-                <a:cs typeface="Arial" pitchFamily="34" charset="0"/>
-              </a:rPr>
-              <a:t>Methodology</a:t>
-            </a:r>
-          </a:p>
-        </p:txBody>
-      </p:sp>
-      <p:sp>
-        <p:nvSpPr>
-          <p:cNvPr id="3" name="Rectangle 2">
-            <a:extLst>
-              <a:ext uri="{FF2B5EF4-FFF2-40B4-BE49-F238E27FC236}">
-                <a16:creationId xmlns:a16="http://schemas.microsoft.com/office/drawing/2014/main" id="{018E06E7-6556-B409-4E7D-8FDDAA853D5D}"/>
-              </a:ext>
-            </a:extLst>
-          </p:cNvPr>
-          <p:cNvSpPr/>
-          <p:nvPr/>
-        </p:nvSpPr>
-        <p:spPr>
-          <a:xfrm>
-            <a:off x="3413961" y="1939226"/>
-            <a:ext cx="2316078" cy="461665"/>
-          </a:xfrm>
-          <a:prstGeom prst="rect">
-            <a:avLst/>
-          </a:prstGeom>
-          <a:solidFill>
-            <a:srgbClr val="4F81BD"/>
-          </a:solidFill>
-          <a:ln>
-            <a:solidFill>
-              <a:schemeClr val="accent1">
-                <a:lumMod val="75000"/>
-              </a:schemeClr>
-            </a:solidFill>
-          </a:ln>
-          <a:effectLst>
-            <a:outerShdw blurRad="50800" dist="38100" dir="5400000" algn="t" rotWithShape="0">
-              <a:prstClr val="black">
-                <a:alpha val="40000"/>
-              </a:prstClr>
-            </a:outerShdw>
-          </a:effectLst>
-        </p:spPr>
-        <p:style>
-          <a:lnRef idx="0">
-            <a:scrgbClr r="0" g="0" b="0"/>
-          </a:lnRef>
-          <a:fillRef idx="0">
-            <a:scrgbClr r="0" g="0" b="0"/>
-          </a:fillRef>
-          <a:effectRef idx="0">
-            <a:scrgbClr r="0" g="0" b="0"/>
-          </a:effectRef>
-          <a:fontRef idx="minor">
-            <a:schemeClr val="lt1"/>
-          </a:fontRef>
-        </p:style>
-        <p:txBody>
-          <a:bodyPr rtlCol="0" anchor="ctr"/>
-          <a:lstStyle/>
-          <a:p>
-            <a:pPr algn="ctr"/>
-            <a:r>
-              <a:rPr lang="en-GB" dirty="0"/>
-              <a:t>Control system</a:t>
-            </a:r>
-          </a:p>
-        </p:txBody>
-      </p:sp>
-      <p:sp>
-        <p:nvSpPr>
-          <p:cNvPr id="4" name="Rectangle 3">
-            <a:extLst>
-              <a:ext uri="{FF2B5EF4-FFF2-40B4-BE49-F238E27FC236}">
-                <a16:creationId xmlns:a16="http://schemas.microsoft.com/office/drawing/2014/main" id="{D0F6B301-506F-EE0C-BD59-6C73FC5D5900}"/>
-              </a:ext>
-            </a:extLst>
-          </p:cNvPr>
-          <p:cNvSpPr/>
-          <p:nvPr/>
-        </p:nvSpPr>
-        <p:spPr>
-          <a:xfrm>
-            <a:off x="3413961" y="2949106"/>
-            <a:ext cx="2316078" cy="551447"/>
-          </a:xfrm>
-          <a:prstGeom prst="rect">
-            <a:avLst/>
-          </a:prstGeom>
-          <a:solidFill>
-            <a:srgbClr val="4F81BD"/>
-          </a:solidFill>
-          <a:ln>
-            <a:solidFill>
-              <a:schemeClr val="accent1">
-                <a:lumMod val="75000"/>
-              </a:schemeClr>
-            </a:solidFill>
-          </a:ln>
-          <a:effectLst>
-            <a:outerShdw blurRad="50800" dist="38100" dir="5400000" algn="t" rotWithShape="0">
-              <a:prstClr val="black">
-                <a:alpha val="40000"/>
-              </a:prstClr>
-            </a:outerShdw>
-          </a:effectLst>
-        </p:spPr>
-        <p:style>
-          <a:lnRef idx="0">
-            <a:scrgbClr r="0" g="0" b="0"/>
-          </a:lnRef>
-          <a:fillRef idx="0">
-            <a:scrgbClr r="0" g="0" b="0"/>
-          </a:fillRef>
-          <a:effectRef idx="0">
-            <a:scrgbClr r="0" g="0" b="0"/>
-          </a:effectRef>
-          <a:fontRef idx="minor">
-            <a:schemeClr val="lt1"/>
-          </a:fontRef>
-        </p:style>
-        <p:txBody>
-          <a:bodyPr rtlCol="0" anchor="ctr"/>
-          <a:lstStyle/>
-          <a:p>
-            <a:pPr algn="ctr"/>
-            <a:r>
-              <a:rPr lang="en-GB" dirty="0"/>
-              <a:t>Analyse antennas QoS</a:t>
-            </a:r>
-          </a:p>
-        </p:txBody>
-      </p:sp>
-      <p:sp>
-        <p:nvSpPr>
-          <p:cNvPr id="5" name="Rectangle 4">
-            <a:extLst>
-              <a:ext uri="{FF2B5EF4-FFF2-40B4-BE49-F238E27FC236}">
-                <a16:creationId xmlns:a16="http://schemas.microsoft.com/office/drawing/2014/main" id="{FFACB4F7-519A-7DAE-C818-747152D683A3}"/>
-              </a:ext>
-            </a:extLst>
-          </p:cNvPr>
-          <p:cNvSpPr/>
-          <p:nvPr/>
-        </p:nvSpPr>
-        <p:spPr>
-          <a:xfrm>
-            <a:off x="1573129" y="4295919"/>
-            <a:ext cx="2580774" cy="935363"/>
-          </a:xfrm>
-          <a:prstGeom prst="rect">
-            <a:avLst/>
-          </a:prstGeom>
-          <a:solidFill>
-            <a:srgbClr val="4F81BD"/>
-          </a:solidFill>
-          <a:ln>
-            <a:solidFill>
-              <a:schemeClr val="accent1">
-                <a:lumMod val="75000"/>
-              </a:schemeClr>
-            </a:solidFill>
-          </a:ln>
-          <a:effectLst>
-            <a:outerShdw blurRad="50800" dist="38100" dir="5400000" algn="t" rotWithShape="0">
-              <a:prstClr val="black">
-                <a:alpha val="40000"/>
-              </a:prstClr>
-            </a:outerShdw>
-          </a:effectLst>
-        </p:spPr>
-        <p:style>
-          <a:lnRef idx="0">
-            <a:scrgbClr r="0" g="0" b="0"/>
-          </a:lnRef>
-          <a:fillRef idx="0">
-            <a:scrgbClr r="0" g="0" b="0"/>
-          </a:fillRef>
-          <a:effectRef idx="0">
-            <a:scrgbClr r="0" g="0" b="0"/>
-          </a:effectRef>
-          <a:fontRef idx="minor">
-            <a:schemeClr val="lt1"/>
-          </a:fontRef>
-        </p:style>
-        <p:txBody>
-          <a:bodyPr rtlCol="0" anchor="ctr"/>
-          <a:lstStyle/>
-          <a:p>
-            <a:pPr algn="ctr"/>
-            <a:r>
-              <a:rPr lang="en-GB" dirty="0"/>
-              <a:t>Choose the best antenna for the communication</a:t>
-            </a:r>
-          </a:p>
-        </p:txBody>
-      </p:sp>
-      <p:cxnSp>
-        <p:nvCxnSpPr>
-          <p:cNvPr id="7" name="Connecteur droit avec flèche 6">
-            <a:extLst>
-              <a:ext uri="{FF2B5EF4-FFF2-40B4-BE49-F238E27FC236}">
-                <a16:creationId xmlns:a16="http://schemas.microsoft.com/office/drawing/2014/main" id="{B5E060C0-DB48-D0F1-14C6-785C98E2CCBD}"/>
-              </a:ext>
-            </a:extLst>
-          </p:cNvPr>
-          <p:cNvCxnSpPr>
-            <a:stCxn id="3" idx="2"/>
-            <a:endCxn id="4" idx="0"/>
-          </p:cNvCxnSpPr>
-          <p:nvPr/>
-        </p:nvCxnSpPr>
-        <p:spPr>
-          <a:xfrm>
-            <a:off x="4572000" y="2400891"/>
-            <a:ext cx="0" cy="548215"/>
-          </a:xfrm>
-          <a:prstGeom prst="straightConnector1">
-            <a:avLst/>
-          </a:prstGeom>
-          <a:ln>
-            <a:tailEnd type="triangle"/>
-          </a:ln>
-        </p:spPr>
-        <p:style>
-          <a:lnRef idx="2">
-            <a:schemeClr val="accent1"/>
-          </a:lnRef>
-          <a:fillRef idx="0">
-            <a:schemeClr val="accent1"/>
-          </a:fillRef>
-          <a:effectRef idx="1">
-            <a:schemeClr val="accent1"/>
-          </a:effectRef>
-          <a:fontRef idx="minor">
-            <a:schemeClr val="tx1"/>
-          </a:fontRef>
-        </p:style>
-      </p:cxnSp>
-      <p:sp>
-        <p:nvSpPr>
-          <p:cNvPr id="12" name="Rectangle 11">
-            <a:extLst>
-              <a:ext uri="{FF2B5EF4-FFF2-40B4-BE49-F238E27FC236}">
-                <a16:creationId xmlns:a16="http://schemas.microsoft.com/office/drawing/2014/main" id="{1854A901-D387-26AA-6ABF-A18A7EFBD095}"/>
-              </a:ext>
-            </a:extLst>
-          </p:cNvPr>
-          <p:cNvSpPr/>
-          <p:nvPr/>
-        </p:nvSpPr>
-        <p:spPr>
-          <a:xfrm>
-            <a:off x="4829676" y="4295918"/>
-            <a:ext cx="2580774" cy="935363"/>
-          </a:xfrm>
-          <a:prstGeom prst="rect">
-            <a:avLst/>
-          </a:prstGeom>
-          <a:solidFill>
-            <a:srgbClr val="4F81BD"/>
-          </a:solidFill>
-          <a:ln>
-            <a:solidFill>
-              <a:schemeClr val="accent1">
-                <a:lumMod val="75000"/>
-              </a:schemeClr>
-            </a:solidFill>
-          </a:ln>
-          <a:effectLst>
-            <a:outerShdw blurRad="50800" dist="38100" dir="5400000" algn="t" rotWithShape="0">
-              <a:prstClr val="black">
-                <a:alpha val="40000"/>
-              </a:prstClr>
-            </a:outerShdw>
-          </a:effectLst>
-        </p:spPr>
-        <p:style>
-          <a:lnRef idx="0">
-            <a:scrgbClr r="0" g="0" b="0"/>
-          </a:lnRef>
-          <a:fillRef idx="0">
-            <a:scrgbClr r="0" g="0" b="0"/>
-          </a:fillRef>
-          <a:effectRef idx="0">
-            <a:scrgbClr r="0" g="0" b="0"/>
-          </a:effectRef>
-          <a:fontRef idx="minor">
-            <a:schemeClr val="lt1"/>
-          </a:fontRef>
-        </p:style>
-        <p:txBody>
-          <a:bodyPr rtlCol="0" anchor="ctr"/>
-          <a:lstStyle/>
-          <a:p>
-            <a:pPr algn="ctr"/>
-            <a:r>
-              <a:rPr lang="en-GB" dirty="0"/>
-              <a:t>Determine possible dead zones</a:t>
-            </a:r>
-          </a:p>
-        </p:txBody>
-      </p:sp>
-      <p:sp>
-        <p:nvSpPr>
-          <p:cNvPr id="13" name="ZoneTexte 12">
-            <a:extLst>
-              <a:ext uri="{FF2B5EF4-FFF2-40B4-BE49-F238E27FC236}">
-                <a16:creationId xmlns:a16="http://schemas.microsoft.com/office/drawing/2014/main" id="{11F2AC21-030D-8307-E164-518D1285916C}"/>
-              </a:ext>
-            </a:extLst>
-          </p:cNvPr>
-          <p:cNvSpPr txBox="1"/>
-          <p:nvPr/>
-        </p:nvSpPr>
-        <p:spPr>
-          <a:xfrm>
-            <a:off x="4572000" y="2490332"/>
-            <a:ext cx="950494" cy="307777"/>
-          </a:xfrm>
-          <a:prstGeom prst="rect">
-            <a:avLst/>
-          </a:prstGeom>
-          <a:noFill/>
-        </p:spPr>
-        <p:txBody>
-          <a:bodyPr wrap="square" rtlCol="0">
-            <a:spAutoFit/>
-          </a:bodyPr>
-          <a:lstStyle/>
-          <a:p>
-            <a:r>
-              <a:rPr lang="en-GB" sz="1400" i="1" dirty="0"/>
-              <a:t>Data</a:t>
-            </a:r>
-          </a:p>
-        </p:txBody>
-      </p:sp>
-      <p:cxnSp>
-        <p:nvCxnSpPr>
-          <p:cNvPr id="15" name="Connecteur : en angle 14">
-            <a:extLst>
-              <a:ext uri="{FF2B5EF4-FFF2-40B4-BE49-F238E27FC236}">
-                <a16:creationId xmlns:a16="http://schemas.microsoft.com/office/drawing/2014/main" id="{EEFF6AE3-875A-6E29-C22B-EA719F9693AB}"/>
-              </a:ext>
-            </a:extLst>
-          </p:cNvPr>
-          <p:cNvCxnSpPr>
-            <a:stCxn id="4" idx="2"/>
-            <a:endCxn id="5" idx="0"/>
-          </p:cNvCxnSpPr>
-          <p:nvPr/>
-        </p:nvCxnSpPr>
-        <p:spPr>
-          <a:xfrm rot="5400000">
-            <a:off x="3320075" y="3043994"/>
-            <a:ext cx="795366" cy="1708484"/>
-          </a:xfrm>
-          <a:prstGeom prst="bentConnector3">
-            <a:avLst/>
-          </a:prstGeom>
-          <a:ln>
-            <a:tailEnd type="triangle"/>
-          </a:ln>
-        </p:spPr>
-        <p:style>
-          <a:lnRef idx="2">
-            <a:schemeClr val="accent1"/>
-          </a:lnRef>
-          <a:fillRef idx="0">
-            <a:schemeClr val="accent1"/>
-          </a:fillRef>
-          <a:effectRef idx="1">
-            <a:schemeClr val="accent1"/>
-          </a:effectRef>
-          <a:fontRef idx="minor">
-            <a:schemeClr val="tx1"/>
-          </a:fontRef>
-        </p:style>
-      </p:cxnSp>
-      <p:cxnSp>
-        <p:nvCxnSpPr>
-          <p:cNvPr id="16" name="Connecteur : en angle 15">
-            <a:extLst>
-              <a:ext uri="{FF2B5EF4-FFF2-40B4-BE49-F238E27FC236}">
-                <a16:creationId xmlns:a16="http://schemas.microsoft.com/office/drawing/2014/main" id="{80206417-7034-B1D9-622F-D782CD430249}"/>
-              </a:ext>
-            </a:extLst>
-          </p:cNvPr>
-          <p:cNvCxnSpPr>
-            <a:cxnSpLocks/>
-            <a:stCxn id="4" idx="2"/>
-            <a:endCxn id="12" idx="0"/>
-          </p:cNvCxnSpPr>
-          <p:nvPr/>
-        </p:nvCxnSpPr>
-        <p:spPr>
-          <a:xfrm rot="16200000" flipH="1">
-            <a:off x="4948349" y="3124203"/>
-            <a:ext cx="795365" cy="1548063"/>
-          </a:xfrm>
-          <a:prstGeom prst="bentConnector3">
-            <a:avLst>
-              <a:gd name="adj1" fmla="val 50000"/>
-            </a:avLst>
-          </a:prstGeom>
-          <a:ln>
-            <a:tailEnd type="triangle"/>
-          </a:ln>
-        </p:spPr>
-        <p:style>
-          <a:lnRef idx="2">
-            <a:schemeClr val="accent1"/>
-          </a:lnRef>
-          <a:fillRef idx="0">
-            <a:schemeClr val="accent1"/>
-          </a:fillRef>
-          <a:effectRef idx="1">
-            <a:schemeClr val="accent1"/>
-          </a:effectRef>
-          <a:fontRef idx="minor">
-            <a:schemeClr val="tx1"/>
-          </a:fontRef>
-        </p:style>
-      </p:cxnSp>
-      <p:cxnSp>
-        <p:nvCxnSpPr>
-          <p:cNvPr id="19" name="Connecteur : en angle 18">
-            <a:extLst>
-              <a:ext uri="{FF2B5EF4-FFF2-40B4-BE49-F238E27FC236}">
-                <a16:creationId xmlns:a16="http://schemas.microsoft.com/office/drawing/2014/main" id="{CA580CF6-F814-FF7D-7687-663E2A5898D5}"/>
-              </a:ext>
-            </a:extLst>
-          </p:cNvPr>
-          <p:cNvCxnSpPr>
-            <a:cxnSpLocks/>
-            <a:stCxn id="12" idx="3"/>
-            <a:endCxn id="3" idx="3"/>
-          </p:cNvCxnSpPr>
-          <p:nvPr/>
-        </p:nvCxnSpPr>
-        <p:spPr>
-          <a:xfrm flipH="1" flipV="1">
-            <a:off x="5730039" y="2170059"/>
-            <a:ext cx="1680411" cy="2593541"/>
-          </a:xfrm>
-          <a:prstGeom prst="bentConnector3">
-            <a:avLst>
-              <a:gd name="adj1" fmla="val -13604"/>
-            </a:avLst>
-          </a:prstGeom>
-          <a:ln>
-            <a:tailEnd type="triangle"/>
-          </a:ln>
-        </p:spPr>
-        <p:style>
-          <a:lnRef idx="2">
-            <a:schemeClr val="accent1"/>
-          </a:lnRef>
-          <a:fillRef idx="0">
-            <a:schemeClr val="accent1"/>
-          </a:fillRef>
-          <a:effectRef idx="1">
-            <a:schemeClr val="accent1"/>
-          </a:effectRef>
-          <a:fontRef idx="minor">
-            <a:schemeClr val="tx1"/>
-          </a:fontRef>
-        </p:style>
-      </p:cxnSp>
-      <p:sp>
-        <p:nvSpPr>
-          <p:cNvPr id="22" name="ZoneTexte 21">
-            <a:extLst>
-              <a:ext uri="{FF2B5EF4-FFF2-40B4-BE49-F238E27FC236}">
-                <a16:creationId xmlns:a16="http://schemas.microsoft.com/office/drawing/2014/main" id="{FE23A83A-B439-E77B-B937-7FC05BED7AAC}"/>
-              </a:ext>
-            </a:extLst>
-          </p:cNvPr>
-          <p:cNvSpPr txBox="1"/>
-          <p:nvPr/>
-        </p:nvSpPr>
-        <p:spPr>
-          <a:xfrm>
-            <a:off x="4572000" y="3560973"/>
-            <a:ext cx="2642936" cy="307777"/>
-          </a:xfrm>
-          <a:prstGeom prst="rect">
-            <a:avLst/>
-          </a:prstGeom>
-          <a:noFill/>
-        </p:spPr>
-        <p:txBody>
-          <a:bodyPr wrap="square" rtlCol="0">
-            <a:spAutoFit/>
-          </a:bodyPr>
-          <a:lstStyle/>
-          <a:p>
-            <a:r>
-              <a:rPr lang="en-GB" sz="1400" i="1" dirty="0"/>
-              <a:t>Link budget of each antenna</a:t>
-            </a:r>
-          </a:p>
-        </p:txBody>
-      </p:sp>
-      <p:sp>
-        <p:nvSpPr>
-          <p:cNvPr id="23" name="ZoneTexte 22">
-            <a:extLst>
-              <a:ext uri="{FF2B5EF4-FFF2-40B4-BE49-F238E27FC236}">
-                <a16:creationId xmlns:a16="http://schemas.microsoft.com/office/drawing/2014/main" id="{3232C4FE-169D-135C-F209-4283CCADD927}"/>
-              </a:ext>
-            </a:extLst>
-          </p:cNvPr>
-          <p:cNvSpPr txBox="1"/>
-          <p:nvPr/>
-        </p:nvSpPr>
-        <p:spPr>
-          <a:xfrm rot="5400000">
-            <a:off x="6500546" y="3492789"/>
-            <a:ext cx="2642936" cy="307777"/>
-          </a:xfrm>
-          <a:prstGeom prst="rect">
-            <a:avLst/>
-          </a:prstGeom>
-          <a:noFill/>
-        </p:spPr>
-        <p:txBody>
-          <a:bodyPr wrap="square" rtlCol="0">
-            <a:spAutoFit/>
-          </a:bodyPr>
-          <a:lstStyle/>
-          <a:p>
-            <a:r>
-              <a:rPr lang="en-GB" sz="1400" i="1" dirty="0"/>
-              <a:t>Zones to avoid flying in</a:t>
-            </a:r>
-          </a:p>
-        </p:txBody>
-      </p:sp>
-    </p:spTree>
-    <p:extLst>
-      <p:ext uri="{BB962C8B-B14F-4D97-AF65-F5344CB8AC3E}">
-        <p14:creationId xmlns:p14="http://schemas.microsoft.com/office/powerpoint/2010/main" val="4224504974"/>
       </p:ext>
     </p:extLst>
   </p:cSld>
@@ -9160,6 +11081,15 @@
 </file>
 
 <file path=customXml/item1.xml><?xml version="1.0" encoding="utf-8"?>
+<?mso-contentType ?>
+<FormTemplates xmlns="http://schemas.microsoft.com/sharepoint/v3/contenttype/forms">
+  <Display>DocumentLibraryForm</Display>
+  <Edit>DocumentLibraryForm</Edit>
+  <New>DocumentLibraryForm</New>
+</FormTemplates>
+</file>
+
+<file path=customXml/item2.xml><?xml version="1.0" encoding="utf-8"?>
 <ct:contentTypeSchema xmlns:ct="http://schemas.microsoft.com/office/2006/metadata/contentType" xmlns:ma="http://schemas.microsoft.com/office/2006/metadata/properties/metaAttributes" ct:_="" ma:_="" ma:contentTypeName="Document" ma:contentTypeID="0x0101004CCD3EAC21452E41B21664C1CEE0122B" ma:contentTypeVersion="13" ma:contentTypeDescription="Create a new document." ma:contentTypeScope="" ma:versionID="40cdbe81f908f98db041f11a10367fbe">
   <xsd:schema xmlns:xsd="http://www.w3.org/2001/XMLSchema" xmlns:xs="http://www.w3.org/2001/XMLSchema" xmlns:p="http://schemas.microsoft.com/office/2006/metadata/properties" xmlns:ns3="514752ca-b80a-449f-8668-f75273954230" xmlns:ns4="15f04063-4e1e-44fe-adcd-9842e43cf927" targetNamespace="http://schemas.microsoft.com/office/2006/metadata/properties" ma:root="true" ma:fieldsID="3cec5c91e017f319a5e6732e76cf1c01" ns3:_="" ns4:_="">
     <xsd:import namespace="514752ca-b80a-449f-8668-f75273954230"/>
@@ -9382,15 +11312,6 @@
 </ct:contentTypeSchema>
 </file>
 
-<file path=customXml/item2.xml><?xml version="1.0" encoding="utf-8"?>
-<?mso-contentType ?>
-<FormTemplates xmlns="http://schemas.microsoft.com/sharepoint/v3/contenttype/forms">
-  <Display>DocumentLibraryForm</Display>
-  <Edit>DocumentLibraryForm</Edit>
-  <New>DocumentLibraryForm</New>
-</FormTemplates>
-</file>
-
 <file path=customXml/item3.xml><?xml version="1.0" encoding="utf-8"?>
 <p:properties xmlns:p="http://schemas.microsoft.com/office/2006/metadata/properties" xmlns:xsi="http://www.w3.org/2001/XMLSchema-instance" xmlns:pc="http://schemas.microsoft.com/office/infopath/2007/PartnerControls">
   <documentManagement/>
@@ -9398,6 +11319,14 @@
 </file>
 
 <file path=customXml/itemProps1.xml><?xml version="1.0" encoding="utf-8"?>
+<ds:datastoreItem xmlns:ds="http://schemas.openxmlformats.org/officeDocument/2006/customXml" ds:itemID="{DF1DF398-AAB5-4916-AD40-A3EE8B188485}">
+  <ds:schemaRefs>
+    <ds:schemaRef ds:uri="http://schemas.microsoft.com/sharepoint/v3/contenttype/forms"/>
+  </ds:schemaRefs>
+</ds:datastoreItem>
+</file>
+
+<file path=customXml/itemProps2.xml><?xml version="1.0" encoding="utf-8"?>
 <ds:datastoreItem xmlns:ds="http://schemas.openxmlformats.org/officeDocument/2006/customXml" ds:itemID="{E0BF40CB-8F88-47C9-9A0E-CCC2DE4DEA7E}">
   <ds:schemaRefs>
     <ds:schemaRef ds:uri="http://schemas.microsoft.com/office/2006/metadata/contentType"/>
@@ -9412,14 +11341,6 @@
     <ds:schemaRef ds:uri="http://purl.org/dc/elements/1.1/"/>
     <ds:schemaRef ds:uri="http://purl.org/dc/terms/"/>
     <ds:schemaRef ds:uri="http://schemas.microsoft.com/internal/obd"/>
-  </ds:schemaRefs>
-</ds:datastoreItem>
-</file>
-
-<file path=customXml/itemProps2.xml><?xml version="1.0" encoding="utf-8"?>
-<ds:datastoreItem xmlns:ds="http://schemas.openxmlformats.org/officeDocument/2006/customXml" ds:itemID="{DF1DF398-AAB5-4916-AD40-A3EE8B188485}">
-  <ds:schemaRefs>
-    <ds:schemaRef ds:uri="http://schemas.microsoft.com/sharepoint/v3/contenttype/forms"/>
   </ds:schemaRefs>
 </ds:datastoreItem>
 </file>
